--- a/ja-jp/BotBlog.pptx
+++ b/ja-jp/BotBlog.pptx
@@ -1,6 +1,6 @@
 
 <file path=ppt/presentation.xml><?xml version="1.0" encoding="utf-8"?>
-<p:presentation xmlns:a="http://schemas.openxmlformats.org/drawingml/2006/main" xmlns:r="http://schemas.openxmlformats.org/officeDocument/2006/relationships" xmlns:p="http://schemas.openxmlformats.org/presentationml/2006/main" saveSubsetFonts="1">
+<p:presentation xmlns:a="http://schemas.openxmlformats.org/drawingml/2006/main" xmlns:r="http://schemas.openxmlformats.org/officeDocument/2006/relationships" xmlns:p="http://schemas.openxmlformats.org/presentationml/2006/main" removePersonalInfoOnSave="1" saveSubsetFonts="1">
   <p:sldMasterIdLst>
     <p:sldMasterId id="2147483660" r:id="rId1"/>
   </p:sldMasterIdLst>

--- a/ja-jp/BotBlog.pptx
+++ b/ja-jp/BotBlog.pptx
@@ -5,10 +5,17 @@
     <p:sldMasterId id="2147483660" r:id="rId1"/>
   </p:sldMasterIdLst>
   <p:notesMasterIdLst>
-    <p:notesMasterId r:id="rId3"/>
+    <p:notesMasterId r:id="rId10"/>
   </p:notesMasterIdLst>
   <p:sldIdLst>
     <p:sldId id="258" r:id="rId2"/>
+    <p:sldId id="259" r:id="rId3"/>
+    <p:sldId id="265" r:id="rId4"/>
+    <p:sldId id="263" r:id="rId5"/>
+    <p:sldId id="264" r:id="rId6"/>
+    <p:sldId id="261" r:id="rId7"/>
+    <p:sldId id="262" r:id="rId8"/>
+    <p:sldId id="260" r:id="rId9"/>
   </p:sldIdLst>
   <p:sldSz cx="12192000" cy="6858000"/>
   <p:notesSz cx="6858000" cy="9144000"/>
@@ -197,7 +204,7 @@
           <a:p>
             <a:fld id="{5C941483-B61E-4D3A-B188-6FE2B6DBBE44}" type="datetimeFigureOut">
               <a:rPr lang="en-US" smtClean="0"/>
-              <a:t>2/12/2017</a:t>
+              <a:t>2/18/2017</a:t>
             </a:fld>
             <a:endParaRPr lang="en-US"/>
           </a:p>
@@ -737,7 +744,7 @@
           <a:p>
             <a:fld id="{02B2D742-5F87-4E30-B64C-22F17AC87F08}" type="datetimeFigureOut">
               <a:rPr lang="en-US" smtClean="0"/>
-              <a:t>2/12/2017</a:t>
+              <a:t>2/18/2017</a:t>
             </a:fld>
             <a:endParaRPr lang="en-US"/>
           </a:p>
@@ -905,7 +912,7 @@
           <a:p>
             <a:fld id="{02B2D742-5F87-4E30-B64C-22F17AC87F08}" type="datetimeFigureOut">
               <a:rPr lang="en-US" smtClean="0"/>
-              <a:t>2/12/2017</a:t>
+              <a:t>2/18/2017</a:t>
             </a:fld>
             <a:endParaRPr lang="en-US"/>
           </a:p>
@@ -1083,7 +1090,7 @@
           <a:p>
             <a:fld id="{02B2D742-5F87-4E30-B64C-22F17AC87F08}" type="datetimeFigureOut">
               <a:rPr lang="en-US" smtClean="0"/>
-              <a:t>2/12/2017</a:t>
+              <a:t>2/18/2017</a:t>
             </a:fld>
             <a:endParaRPr lang="en-US"/>
           </a:p>
@@ -1251,7 +1258,7 @@
           <a:p>
             <a:fld id="{02B2D742-5F87-4E30-B64C-22F17AC87F08}" type="datetimeFigureOut">
               <a:rPr lang="en-US" smtClean="0"/>
-              <a:t>2/12/2017</a:t>
+              <a:t>2/18/2017</a:t>
             </a:fld>
             <a:endParaRPr lang="en-US"/>
           </a:p>
@@ -1496,7 +1503,7 @@
           <a:p>
             <a:fld id="{02B2D742-5F87-4E30-B64C-22F17AC87F08}" type="datetimeFigureOut">
               <a:rPr lang="en-US" smtClean="0"/>
-              <a:t>2/12/2017</a:t>
+              <a:t>2/18/2017</a:t>
             </a:fld>
             <a:endParaRPr lang="en-US"/>
           </a:p>
@@ -1725,7 +1732,7 @@
           <a:p>
             <a:fld id="{02B2D742-5F87-4E30-B64C-22F17AC87F08}" type="datetimeFigureOut">
               <a:rPr lang="en-US" smtClean="0"/>
-              <a:t>2/12/2017</a:t>
+              <a:t>2/18/2017</a:t>
             </a:fld>
             <a:endParaRPr lang="en-US"/>
           </a:p>
@@ -2089,7 +2096,7 @@
           <a:p>
             <a:fld id="{02B2D742-5F87-4E30-B64C-22F17AC87F08}" type="datetimeFigureOut">
               <a:rPr lang="en-US" smtClean="0"/>
-              <a:t>2/12/2017</a:t>
+              <a:t>2/18/2017</a:t>
             </a:fld>
             <a:endParaRPr lang="en-US"/>
           </a:p>
@@ -2206,7 +2213,7 @@
           <a:p>
             <a:fld id="{02B2D742-5F87-4E30-B64C-22F17AC87F08}" type="datetimeFigureOut">
               <a:rPr lang="en-US" smtClean="0"/>
-              <a:t>2/12/2017</a:t>
+              <a:t>2/18/2017</a:t>
             </a:fld>
             <a:endParaRPr lang="en-US"/>
           </a:p>
@@ -2301,7 +2308,7 @@
           <a:p>
             <a:fld id="{02B2D742-5F87-4E30-B64C-22F17AC87F08}" type="datetimeFigureOut">
               <a:rPr lang="en-US" smtClean="0"/>
-              <a:t>2/12/2017</a:t>
+              <a:t>2/18/2017</a:t>
             </a:fld>
             <a:endParaRPr lang="en-US"/>
           </a:p>
@@ -2576,7 +2583,7 @@
           <a:p>
             <a:fld id="{02B2D742-5F87-4E30-B64C-22F17AC87F08}" type="datetimeFigureOut">
               <a:rPr lang="en-US" smtClean="0"/>
-              <a:t>2/12/2017</a:t>
+              <a:t>2/18/2017</a:t>
             </a:fld>
             <a:endParaRPr lang="en-US"/>
           </a:p>
@@ -2828,7 +2835,7 @@
           <a:p>
             <a:fld id="{02B2D742-5F87-4E30-B64C-22F17AC87F08}" type="datetimeFigureOut">
               <a:rPr lang="en-US" smtClean="0"/>
-              <a:t>2/12/2017</a:t>
+              <a:t>2/18/2017</a:t>
             </a:fld>
             <a:endParaRPr lang="en-US"/>
           </a:p>
@@ -3039,7 +3046,7 @@
           <a:p>
             <a:fld id="{02B2D742-5F87-4E30-B64C-22F17AC87F08}" type="datetimeFigureOut">
               <a:rPr lang="en-US" smtClean="0"/>
-              <a:t>2/12/2017</a:t>
+              <a:t>2/18/2017</a:t>
             </a:fld>
             <a:endParaRPr lang="en-US"/>
           </a:p>
@@ -4235,6 +4242,2856 @@
     <p:extLst>
       <p:ext uri="{BB962C8B-B14F-4D97-AF65-F5344CB8AC3E}">
         <p14:creationId xmlns:p14="http://schemas.microsoft.com/office/powerpoint/2010/main" val="124236512"/>
+      </p:ext>
+    </p:extLst>
+  </p:cSld>
+  <p:clrMapOvr>
+    <a:masterClrMapping/>
+  </p:clrMapOvr>
+</p:sld>
+</file>
+
+<file path=ppt/slides/slide2.xml><?xml version="1.0" encoding="utf-8"?>
+<p:sld xmlns:a="http://schemas.openxmlformats.org/drawingml/2006/main" xmlns:r="http://schemas.openxmlformats.org/officeDocument/2006/relationships" xmlns:p="http://schemas.openxmlformats.org/presentationml/2006/main">
+  <p:cSld>
+    <p:spTree>
+      <p:nvGrpSpPr>
+        <p:cNvPr id="1" name=""/>
+        <p:cNvGrpSpPr/>
+        <p:nvPr/>
+      </p:nvGrpSpPr>
+      <p:grpSpPr>
+        <a:xfrm>
+          <a:off x="0" y="0"/>
+          <a:ext cx="0" cy="0"/>
+          <a:chOff x="0" y="0"/>
+          <a:chExt cx="0" cy="0"/>
+        </a:xfrm>
+      </p:grpSpPr>
+      <p:grpSp>
+        <p:nvGrpSpPr>
+          <p:cNvPr id="2" name="Group 1"/>
+          <p:cNvGrpSpPr/>
+          <p:nvPr/>
+        </p:nvGrpSpPr>
+        <p:grpSpPr>
+          <a:xfrm>
+            <a:off x="64076" y="1223756"/>
+            <a:ext cx="12063848" cy="4410488"/>
+            <a:chOff x="55417" y="152400"/>
+            <a:chExt cx="12063848" cy="4410488"/>
+          </a:xfrm>
+        </p:grpSpPr>
+        <p:sp>
+          <p:nvSpPr>
+            <p:cNvPr id="5" name="Rectangle 4"/>
+            <p:cNvSpPr/>
+            <p:nvPr/>
+          </p:nvSpPr>
+          <p:spPr>
+            <a:xfrm>
+              <a:off x="696191" y="1766454"/>
+              <a:ext cx="2286000" cy="741219"/>
+            </a:xfrm>
+            <a:prstGeom prst="rect">
+              <a:avLst/>
+            </a:prstGeom>
+            <a:solidFill>
+              <a:srgbClr val="0079D6"/>
+            </a:solidFill>
+            <a:ln>
+              <a:solidFill>
+                <a:srgbClr val="0079D6"/>
+              </a:solidFill>
+            </a:ln>
+          </p:spPr>
+          <p:style>
+            <a:lnRef idx="2">
+              <a:schemeClr val="accent1">
+                <a:shade val="50000"/>
+              </a:schemeClr>
+            </a:lnRef>
+            <a:fillRef idx="1">
+              <a:schemeClr val="accent1"/>
+            </a:fillRef>
+            <a:effectRef idx="0">
+              <a:schemeClr val="accent1"/>
+            </a:effectRef>
+            <a:fontRef idx="minor">
+              <a:schemeClr val="lt1"/>
+            </a:fontRef>
+          </p:style>
+          <p:txBody>
+            <a:bodyPr rtlCol="0" anchor="ctr"/>
+            <a:lstStyle/>
+            <a:p>
+              <a:pPr algn="ctr"/>
+              <a:r>
+                <a:rPr lang="en-US" dirty="0" err="1"/>
+                <a:t>AskName</a:t>
+              </a:r>
+              <a:endParaRPr lang="en-US" dirty="0"/>
+            </a:p>
+          </p:txBody>
+        </p:sp>
+        <p:sp>
+          <p:nvSpPr>
+            <p:cNvPr id="6" name="Rectangle 5"/>
+            <p:cNvSpPr/>
+            <p:nvPr/>
+          </p:nvSpPr>
+          <p:spPr>
+            <a:xfrm>
+              <a:off x="4911437" y="1766454"/>
+              <a:ext cx="2286000" cy="741219"/>
+            </a:xfrm>
+            <a:prstGeom prst="rect">
+              <a:avLst/>
+            </a:prstGeom>
+            <a:solidFill>
+              <a:srgbClr val="0079D6"/>
+            </a:solidFill>
+            <a:ln>
+              <a:solidFill>
+                <a:srgbClr val="0079D6"/>
+              </a:solidFill>
+            </a:ln>
+          </p:spPr>
+          <p:style>
+            <a:lnRef idx="2">
+              <a:schemeClr val="accent1">
+                <a:shade val="50000"/>
+              </a:schemeClr>
+            </a:lnRef>
+            <a:fillRef idx="1">
+              <a:schemeClr val="accent1"/>
+            </a:fillRef>
+            <a:effectRef idx="0">
+              <a:schemeClr val="accent1"/>
+            </a:effectRef>
+            <a:fontRef idx="minor">
+              <a:schemeClr val="lt1"/>
+            </a:fontRef>
+          </p:style>
+          <p:txBody>
+            <a:bodyPr rtlCol="0" anchor="ctr"/>
+            <a:lstStyle/>
+            <a:p>
+              <a:pPr algn="ctr"/>
+              <a:r>
+                <a:rPr lang="en-US" dirty="0" err="1"/>
+                <a:t>AskDemand</a:t>
+              </a:r>
+              <a:endParaRPr lang="en-US" dirty="0"/>
+            </a:p>
+          </p:txBody>
+        </p:sp>
+        <p:sp>
+          <p:nvSpPr>
+            <p:cNvPr id="7" name="Rectangle 6"/>
+            <p:cNvSpPr/>
+            <p:nvPr/>
+          </p:nvSpPr>
+          <p:spPr>
+            <a:xfrm>
+              <a:off x="9247910" y="1766453"/>
+              <a:ext cx="2286000" cy="741219"/>
+            </a:xfrm>
+            <a:prstGeom prst="rect">
+              <a:avLst/>
+            </a:prstGeom>
+            <a:solidFill>
+              <a:srgbClr val="0079D6"/>
+            </a:solidFill>
+            <a:ln>
+              <a:solidFill>
+                <a:srgbClr val="0079D6"/>
+              </a:solidFill>
+            </a:ln>
+          </p:spPr>
+          <p:style>
+            <a:lnRef idx="2">
+              <a:schemeClr val="accent1">
+                <a:shade val="50000"/>
+              </a:schemeClr>
+            </a:lnRef>
+            <a:fillRef idx="1">
+              <a:schemeClr val="accent1"/>
+            </a:fillRef>
+            <a:effectRef idx="0">
+              <a:schemeClr val="accent1"/>
+            </a:effectRef>
+            <a:fontRef idx="minor">
+              <a:schemeClr val="lt1"/>
+            </a:fontRef>
+          </p:style>
+          <p:txBody>
+            <a:bodyPr rtlCol="0" anchor="ctr"/>
+            <a:lstStyle/>
+            <a:p>
+              <a:pPr algn="ctr"/>
+              <a:r>
+                <a:rPr lang="en-US" dirty="0" err="1"/>
+                <a:t>AskAttendee</a:t>
+              </a:r>
+              <a:endParaRPr lang="en-US" dirty="0"/>
+            </a:p>
+          </p:txBody>
+        </p:sp>
+        <p:sp>
+          <p:nvSpPr>
+            <p:cNvPr id="8" name="TextBox 7"/>
+            <p:cNvSpPr txBox="1"/>
+            <p:nvPr/>
+          </p:nvSpPr>
+          <p:spPr>
+            <a:xfrm>
+              <a:off x="55417" y="1281545"/>
+              <a:ext cx="1350818" cy="369332"/>
+            </a:xfrm>
+            <a:prstGeom prst="rect">
+              <a:avLst/>
+            </a:prstGeom>
+            <a:noFill/>
+          </p:spPr>
+          <p:txBody>
+            <a:bodyPr wrap="square" rtlCol="0">
+              <a:spAutoFit/>
+            </a:bodyPr>
+            <a:lstStyle/>
+            <a:p>
+              <a:pPr algn="ctr"/>
+              <a:r>
+                <a:rPr lang="en-US" dirty="0"/>
+                <a:t>Push</a:t>
+              </a:r>
+            </a:p>
+          </p:txBody>
+        </p:sp>
+        <p:sp>
+          <p:nvSpPr>
+            <p:cNvPr id="9" name="TextBox 8"/>
+            <p:cNvSpPr txBox="1"/>
+            <p:nvPr/>
+          </p:nvSpPr>
+          <p:spPr>
+            <a:xfrm>
+              <a:off x="4236028" y="1281545"/>
+              <a:ext cx="1350818" cy="369332"/>
+            </a:xfrm>
+            <a:prstGeom prst="rect">
+              <a:avLst/>
+            </a:prstGeom>
+            <a:noFill/>
+          </p:spPr>
+          <p:txBody>
+            <a:bodyPr wrap="square" rtlCol="0">
+              <a:spAutoFit/>
+            </a:bodyPr>
+            <a:lstStyle/>
+            <a:p>
+              <a:pPr algn="ctr"/>
+              <a:r>
+                <a:rPr lang="en-US" dirty="0"/>
+                <a:t>Push</a:t>
+              </a:r>
+            </a:p>
+          </p:txBody>
+        </p:sp>
+        <p:sp>
+          <p:nvSpPr>
+            <p:cNvPr id="10" name="TextBox 9"/>
+            <p:cNvSpPr txBox="1"/>
+            <p:nvPr/>
+          </p:nvSpPr>
+          <p:spPr>
+            <a:xfrm>
+              <a:off x="8520544" y="1281545"/>
+              <a:ext cx="1350818" cy="369332"/>
+            </a:xfrm>
+            <a:prstGeom prst="rect">
+              <a:avLst/>
+            </a:prstGeom>
+            <a:noFill/>
+          </p:spPr>
+          <p:txBody>
+            <a:bodyPr wrap="square" rtlCol="0">
+              <a:spAutoFit/>
+            </a:bodyPr>
+            <a:lstStyle/>
+            <a:p>
+              <a:pPr algn="ctr"/>
+              <a:r>
+                <a:rPr lang="en-US" dirty="0"/>
+                <a:t>Push</a:t>
+              </a:r>
+            </a:p>
+          </p:txBody>
+        </p:sp>
+        <p:sp>
+          <p:nvSpPr>
+            <p:cNvPr id="11" name="TextBox 10"/>
+            <p:cNvSpPr txBox="1"/>
+            <p:nvPr/>
+          </p:nvSpPr>
+          <p:spPr>
+            <a:xfrm>
+              <a:off x="2306782" y="1281545"/>
+              <a:ext cx="1350818" cy="369332"/>
+            </a:xfrm>
+            <a:prstGeom prst="rect">
+              <a:avLst/>
+            </a:prstGeom>
+            <a:noFill/>
+          </p:spPr>
+          <p:txBody>
+            <a:bodyPr wrap="square" rtlCol="0">
+              <a:spAutoFit/>
+            </a:bodyPr>
+            <a:lstStyle/>
+            <a:p>
+              <a:pPr algn="ctr"/>
+              <a:r>
+                <a:rPr lang="en-US" dirty="0"/>
+                <a:t>Pop</a:t>
+              </a:r>
+            </a:p>
+          </p:txBody>
+        </p:sp>
+        <p:sp>
+          <p:nvSpPr>
+            <p:cNvPr id="12" name="TextBox 11"/>
+            <p:cNvSpPr txBox="1"/>
+            <p:nvPr/>
+          </p:nvSpPr>
+          <p:spPr>
+            <a:xfrm>
+              <a:off x="6522028" y="1281545"/>
+              <a:ext cx="1350818" cy="369332"/>
+            </a:xfrm>
+            <a:prstGeom prst="rect">
+              <a:avLst/>
+            </a:prstGeom>
+            <a:noFill/>
+          </p:spPr>
+          <p:txBody>
+            <a:bodyPr wrap="square" rtlCol="0">
+              <a:spAutoFit/>
+            </a:bodyPr>
+            <a:lstStyle/>
+            <a:p>
+              <a:pPr algn="ctr"/>
+              <a:r>
+                <a:rPr lang="en-US" dirty="0"/>
+                <a:t>Pop</a:t>
+              </a:r>
+            </a:p>
+          </p:txBody>
+        </p:sp>
+        <p:sp>
+          <p:nvSpPr>
+            <p:cNvPr id="13" name="TextBox 12"/>
+            <p:cNvSpPr txBox="1"/>
+            <p:nvPr/>
+          </p:nvSpPr>
+          <p:spPr>
+            <a:xfrm>
+              <a:off x="10768447" y="1281545"/>
+              <a:ext cx="1350818" cy="369332"/>
+            </a:xfrm>
+            <a:prstGeom prst="rect">
+              <a:avLst/>
+            </a:prstGeom>
+            <a:noFill/>
+          </p:spPr>
+          <p:txBody>
+            <a:bodyPr wrap="square" rtlCol="0">
+              <a:spAutoFit/>
+            </a:bodyPr>
+            <a:lstStyle/>
+            <a:p>
+              <a:pPr algn="ctr"/>
+              <a:r>
+                <a:rPr lang="en-US" dirty="0"/>
+                <a:t>Pop</a:t>
+              </a:r>
+            </a:p>
+          </p:txBody>
+        </p:sp>
+        <p:sp>
+          <p:nvSpPr>
+            <p:cNvPr id="14" name="TextBox 13"/>
+            <p:cNvSpPr txBox="1"/>
+            <p:nvPr/>
+          </p:nvSpPr>
+          <p:spPr>
+            <a:xfrm>
+              <a:off x="55417" y="152400"/>
+              <a:ext cx="2313710" cy="369332"/>
+            </a:xfrm>
+            <a:prstGeom prst="rect">
+              <a:avLst/>
+            </a:prstGeom>
+            <a:noFill/>
+          </p:spPr>
+          <p:txBody>
+            <a:bodyPr wrap="square" rtlCol="0">
+              <a:spAutoFit/>
+            </a:bodyPr>
+            <a:lstStyle/>
+            <a:p>
+              <a:r>
+                <a:rPr lang="en-US" dirty="0">
+                  <a:solidFill>
+                    <a:srgbClr val="0079D6"/>
+                  </a:solidFill>
+                </a:rPr>
+                <a:t>Stack of Conversation</a:t>
+              </a:r>
+            </a:p>
+          </p:txBody>
+        </p:sp>
+        <p:cxnSp>
+          <p:nvCxnSpPr>
+            <p:cNvPr id="16" name="Straight Connector 15"/>
+            <p:cNvCxnSpPr/>
+            <p:nvPr/>
+          </p:nvCxnSpPr>
+          <p:spPr>
+            <a:xfrm flipV="1">
+              <a:off x="117764" y="2964873"/>
+              <a:ext cx="12001501" cy="34636"/>
+            </a:xfrm>
+            <a:prstGeom prst="line">
+              <a:avLst/>
+            </a:prstGeom>
+            <a:ln w="12700">
+              <a:solidFill>
+                <a:srgbClr val="0079D6"/>
+              </a:solidFill>
+              <a:prstDash val="dash"/>
+            </a:ln>
+          </p:spPr>
+          <p:style>
+            <a:lnRef idx="1">
+              <a:schemeClr val="accent1"/>
+            </a:lnRef>
+            <a:fillRef idx="0">
+              <a:schemeClr val="accent1"/>
+            </a:fillRef>
+            <a:effectRef idx="0">
+              <a:schemeClr val="accent1"/>
+            </a:effectRef>
+            <a:fontRef idx="minor">
+              <a:schemeClr val="tx1"/>
+            </a:fontRef>
+          </p:style>
+        </p:cxnSp>
+        <p:sp>
+          <p:nvSpPr>
+            <p:cNvPr id="17" name="TextBox 16"/>
+            <p:cNvSpPr txBox="1"/>
+            <p:nvPr/>
+          </p:nvSpPr>
+          <p:spPr>
+            <a:xfrm>
+              <a:off x="55417" y="3272043"/>
+              <a:ext cx="2313710" cy="369332"/>
+            </a:xfrm>
+            <a:prstGeom prst="rect">
+              <a:avLst/>
+            </a:prstGeom>
+            <a:noFill/>
+          </p:spPr>
+          <p:txBody>
+            <a:bodyPr wrap="square" rtlCol="0">
+              <a:spAutoFit/>
+            </a:bodyPr>
+            <a:lstStyle/>
+            <a:p>
+              <a:r>
+                <a:rPr lang="en-US" dirty="0">
+                  <a:solidFill>
+                    <a:srgbClr val="0079D6"/>
+                  </a:solidFill>
+                </a:rPr>
+                <a:t>Processing</a:t>
+              </a:r>
+            </a:p>
+          </p:txBody>
+        </p:sp>
+        <p:sp>
+          <p:nvSpPr>
+            <p:cNvPr id="18" name="Rectangle 17"/>
+            <p:cNvSpPr/>
+            <p:nvPr/>
+          </p:nvSpPr>
+          <p:spPr>
+            <a:xfrm>
+              <a:off x="2864428" y="3821669"/>
+              <a:ext cx="2286000" cy="741219"/>
+            </a:xfrm>
+            <a:prstGeom prst="rect">
+              <a:avLst/>
+            </a:prstGeom>
+            <a:solidFill>
+              <a:srgbClr val="0079D6"/>
+            </a:solidFill>
+            <a:ln>
+              <a:solidFill>
+                <a:srgbClr val="0079D6"/>
+              </a:solidFill>
+            </a:ln>
+          </p:spPr>
+          <p:style>
+            <a:lnRef idx="2">
+              <a:schemeClr val="accent1">
+                <a:shade val="50000"/>
+              </a:schemeClr>
+            </a:lnRef>
+            <a:fillRef idx="1">
+              <a:schemeClr val="accent1"/>
+            </a:fillRef>
+            <a:effectRef idx="0">
+              <a:schemeClr val="accent1"/>
+            </a:effectRef>
+            <a:fontRef idx="minor">
+              <a:schemeClr val="lt1"/>
+            </a:fontRef>
+          </p:style>
+          <p:txBody>
+            <a:bodyPr rtlCol="0" anchor="ctr"/>
+            <a:lstStyle/>
+            <a:p>
+              <a:pPr algn="ctr"/>
+              <a:r>
+                <a:rPr lang="en-US" dirty="0"/>
+                <a:t>Process </a:t>
+              </a:r>
+              <a:r>
+                <a:rPr lang="en-US" dirty="0" err="1"/>
+                <a:t>AskName</a:t>
+              </a:r>
+              <a:endParaRPr lang="en-US" dirty="0"/>
+            </a:p>
+            <a:p>
+              <a:pPr algn="ctr"/>
+              <a:r>
+                <a:rPr lang="en-US" dirty="0"/>
+                <a:t>Push </a:t>
+              </a:r>
+              <a:r>
+                <a:rPr lang="en-US" dirty="0" err="1"/>
+                <a:t>AskDemand</a:t>
+              </a:r>
+              <a:endParaRPr lang="en-US" dirty="0"/>
+            </a:p>
+          </p:txBody>
+        </p:sp>
+        <p:sp>
+          <p:nvSpPr>
+            <p:cNvPr id="19" name="Rectangle 18"/>
+            <p:cNvSpPr/>
+            <p:nvPr/>
+          </p:nvSpPr>
+          <p:spPr>
+            <a:xfrm>
+              <a:off x="7197437" y="3821669"/>
+              <a:ext cx="2286000" cy="741219"/>
+            </a:xfrm>
+            <a:prstGeom prst="rect">
+              <a:avLst/>
+            </a:prstGeom>
+            <a:solidFill>
+              <a:srgbClr val="0079D6"/>
+            </a:solidFill>
+            <a:ln>
+              <a:solidFill>
+                <a:srgbClr val="0079D6"/>
+              </a:solidFill>
+            </a:ln>
+          </p:spPr>
+          <p:style>
+            <a:lnRef idx="2">
+              <a:schemeClr val="accent1">
+                <a:shade val="50000"/>
+              </a:schemeClr>
+            </a:lnRef>
+            <a:fillRef idx="1">
+              <a:schemeClr val="accent1"/>
+            </a:fillRef>
+            <a:effectRef idx="0">
+              <a:schemeClr val="accent1"/>
+            </a:effectRef>
+            <a:fontRef idx="minor">
+              <a:schemeClr val="lt1"/>
+            </a:fontRef>
+          </p:style>
+          <p:txBody>
+            <a:bodyPr rtlCol="0" anchor="ctr"/>
+            <a:lstStyle/>
+            <a:p>
+              <a:pPr algn="ctr"/>
+              <a:r>
+                <a:rPr lang="en-US" dirty="0"/>
+                <a:t>Process </a:t>
+              </a:r>
+              <a:r>
+                <a:rPr lang="en-US" dirty="0" err="1"/>
+                <a:t>AskDemand</a:t>
+              </a:r>
+              <a:endParaRPr lang="en-US" dirty="0"/>
+            </a:p>
+            <a:p>
+              <a:pPr algn="ctr"/>
+              <a:r>
+                <a:rPr lang="en-US" dirty="0"/>
+                <a:t>Push </a:t>
+              </a:r>
+              <a:r>
+                <a:rPr lang="en-US" dirty="0" err="1"/>
+                <a:t>AskAttendee</a:t>
+              </a:r>
+              <a:endParaRPr lang="en-US" dirty="0"/>
+            </a:p>
+          </p:txBody>
+        </p:sp>
+      </p:grpSp>
+    </p:spTree>
+    <p:extLst>
+      <p:ext uri="{BB962C8B-B14F-4D97-AF65-F5344CB8AC3E}">
+        <p14:creationId xmlns:p14="http://schemas.microsoft.com/office/powerpoint/2010/main" val="2324988298"/>
+      </p:ext>
+    </p:extLst>
+  </p:cSld>
+  <p:clrMapOvr>
+    <a:masterClrMapping/>
+  </p:clrMapOvr>
+</p:sld>
+</file>
+
+<file path=ppt/slides/slide3.xml><?xml version="1.0" encoding="utf-8"?>
+<p:sld xmlns:a="http://schemas.openxmlformats.org/drawingml/2006/main" xmlns:r="http://schemas.openxmlformats.org/officeDocument/2006/relationships" xmlns:p="http://schemas.openxmlformats.org/presentationml/2006/main">
+  <p:cSld>
+    <p:spTree>
+      <p:nvGrpSpPr>
+        <p:cNvPr id="1" name=""/>
+        <p:cNvGrpSpPr/>
+        <p:nvPr/>
+      </p:nvGrpSpPr>
+      <p:grpSpPr>
+        <a:xfrm>
+          <a:off x="0" y="0"/>
+          <a:ext cx="0" cy="0"/>
+          <a:chOff x="0" y="0"/>
+          <a:chExt cx="0" cy="0"/>
+        </a:xfrm>
+      </p:grpSpPr>
+      <p:sp>
+        <p:nvSpPr>
+          <p:cNvPr id="5" name="Rectangle 4"/>
+          <p:cNvSpPr/>
+          <p:nvPr/>
+        </p:nvSpPr>
+        <p:spPr>
+          <a:xfrm>
+            <a:off x="696191" y="3048000"/>
+            <a:ext cx="2286000" cy="741219"/>
+          </a:xfrm>
+          <a:prstGeom prst="rect">
+            <a:avLst/>
+          </a:prstGeom>
+          <a:solidFill>
+            <a:srgbClr val="0079D6"/>
+          </a:solidFill>
+          <a:ln>
+            <a:solidFill>
+              <a:srgbClr val="0079D6"/>
+            </a:solidFill>
+          </a:ln>
+        </p:spPr>
+        <p:style>
+          <a:lnRef idx="2">
+            <a:schemeClr val="accent1">
+              <a:shade val="50000"/>
+            </a:schemeClr>
+          </a:lnRef>
+          <a:fillRef idx="1">
+            <a:schemeClr val="accent1"/>
+          </a:fillRef>
+          <a:effectRef idx="0">
+            <a:schemeClr val="accent1"/>
+          </a:effectRef>
+          <a:fontRef idx="minor">
+            <a:schemeClr val="lt1"/>
+          </a:fontRef>
+        </p:style>
+        <p:txBody>
+          <a:bodyPr rtlCol="0" anchor="ctr"/>
+          <a:lstStyle/>
+          <a:p>
+            <a:pPr algn="ctr"/>
+            <a:r>
+              <a:rPr lang="en-US" dirty="0" err="1"/>
+              <a:t>AskName</a:t>
+            </a:r>
+            <a:endParaRPr lang="en-US" dirty="0"/>
+          </a:p>
+        </p:txBody>
+      </p:sp>
+      <p:sp>
+        <p:nvSpPr>
+          <p:cNvPr id="6" name="Rectangle 5"/>
+          <p:cNvSpPr/>
+          <p:nvPr/>
+        </p:nvSpPr>
+        <p:spPr>
+          <a:xfrm>
+            <a:off x="4911437" y="3048000"/>
+            <a:ext cx="2286000" cy="741219"/>
+          </a:xfrm>
+          <a:prstGeom prst="rect">
+            <a:avLst/>
+          </a:prstGeom>
+          <a:solidFill>
+            <a:srgbClr val="0079D6"/>
+          </a:solidFill>
+          <a:ln>
+            <a:solidFill>
+              <a:srgbClr val="0079D6"/>
+            </a:solidFill>
+          </a:ln>
+        </p:spPr>
+        <p:style>
+          <a:lnRef idx="2">
+            <a:schemeClr val="accent1">
+              <a:shade val="50000"/>
+            </a:schemeClr>
+          </a:lnRef>
+          <a:fillRef idx="1">
+            <a:schemeClr val="accent1"/>
+          </a:fillRef>
+          <a:effectRef idx="0">
+            <a:schemeClr val="accent1"/>
+          </a:effectRef>
+          <a:fontRef idx="minor">
+            <a:schemeClr val="lt1"/>
+          </a:fontRef>
+        </p:style>
+        <p:txBody>
+          <a:bodyPr rtlCol="0" anchor="ctr"/>
+          <a:lstStyle/>
+          <a:p>
+            <a:pPr algn="ctr"/>
+            <a:r>
+              <a:rPr lang="en-US" dirty="0" err="1"/>
+              <a:t>AskDemand</a:t>
+            </a:r>
+            <a:endParaRPr lang="en-US" dirty="0"/>
+          </a:p>
+        </p:txBody>
+      </p:sp>
+      <p:sp>
+        <p:nvSpPr>
+          <p:cNvPr id="7" name="Rectangle 6"/>
+          <p:cNvSpPr/>
+          <p:nvPr/>
+        </p:nvSpPr>
+        <p:spPr>
+          <a:xfrm>
+            <a:off x="9247910" y="3047999"/>
+            <a:ext cx="2286000" cy="741219"/>
+          </a:xfrm>
+          <a:prstGeom prst="rect">
+            <a:avLst/>
+          </a:prstGeom>
+          <a:solidFill>
+            <a:srgbClr val="0079D6"/>
+          </a:solidFill>
+          <a:ln>
+            <a:solidFill>
+              <a:srgbClr val="0079D6"/>
+            </a:solidFill>
+          </a:ln>
+        </p:spPr>
+        <p:style>
+          <a:lnRef idx="2">
+            <a:schemeClr val="accent1">
+              <a:shade val="50000"/>
+            </a:schemeClr>
+          </a:lnRef>
+          <a:fillRef idx="1">
+            <a:schemeClr val="accent1"/>
+          </a:fillRef>
+          <a:effectRef idx="0">
+            <a:schemeClr val="accent1"/>
+          </a:effectRef>
+          <a:fontRef idx="minor">
+            <a:schemeClr val="lt1"/>
+          </a:fontRef>
+        </p:style>
+        <p:txBody>
+          <a:bodyPr rtlCol="0" anchor="ctr"/>
+          <a:lstStyle/>
+          <a:p>
+            <a:pPr algn="ctr"/>
+            <a:r>
+              <a:rPr lang="en-US" dirty="0" err="1"/>
+              <a:t>AskAttendee</a:t>
+            </a:r>
+            <a:endParaRPr lang="en-US" dirty="0"/>
+          </a:p>
+        </p:txBody>
+      </p:sp>
+      <p:sp>
+        <p:nvSpPr>
+          <p:cNvPr id="8" name="TextBox 7"/>
+          <p:cNvSpPr txBox="1"/>
+          <p:nvPr/>
+        </p:nvSpPr>
+        <p:spPr>
+          <a:xfrm>
+            <a:off x="55417" y="2563091"/>
+            <a:ext cx="1350818" cy="369332"/>
+          </a:xfrm>
+          <a:prstGeom prst="rect">
+            <a:avLst/>
+          </a:prstGeom>
+          <a:noFill/>
+        </p:spPr>
+        <p:txBody>
+          <a:bodyPr wrap="square" rtlCol="0">
+            <a:spAutoFit/>
+          </a:bodyPr>
+          <a:lstStyle/>
+          <a:p>
+            <a:pPr algn="ctr"/>
+            <a:r>
+              <a:rPr lang="en-US" dirty="0"/>
+              <a:t>Push</a:t>
+            </a:r>
+          </a:p>
+        </p:txBody>
+      </p:sp>
+      <p:sp>
+        <p:nvSpPr>
+          <p:cNvPr id="9" name="TextBox 8"/>
+          <p:cNvSpPr txBox="1"/>
+          <p:nvPr/>
+        </p:nvSpPr>
+        <p:spPr>
+          <a:xfrm>
+            <a:off x="4236028" y="2563091"/>
+            <a:ext cx="1350818" cy="369332"/>
+          </a:xfrm>
+          <a:prstGeom prst="rect">
+            <a:avLst/>
+          </a:prstGeom>
+          <a:noFill/>
+        </p:spPr>
+        <p:txBody>
+          <a:bodyPr wrap="square" rtlCol="0">
+            <a:spAutoFit/>
+          </a:bodyPr>
+          <a:lstStyle/>
+          <a:p>
+            <a:pPr algn="ctr"/>
+            <a:r>
+              <a:rPr lang="en-US" dirty="0"/>
+              <a:t>Push</a:t>
+            </a:r>
+          </a:p>
+        </p:txBody>
+      </p:sp>
+      <p:sp>
+        <p:nvSpPr>
+          <p:cNvPr id="10" name="TextBox 9"/>
+          <p:cNvSpPr txBox="1"/>
+          <p:nvPr/>
+        </p:nvSpPr>
+        <p:spPr>
+          <a:xfrm>
+            <a:off x="8520544" y="2563091"/>
+            <a:ext cx="1350818" cy="369332"/>
+          </a:xfrm>
+          <a:prstGeom prst="rect">
+            <a:avLst/>
+          </a:prstGeom>
+          <a:noFill/>
+        </p:spPr>
+        <p:txBody>
+          <a:bodyPr wrap="square" rtlCol="0">
+            <a:spAutoFit/>
+          </a:bodyPr>
+          <a:lstStyle/>
+          <a:p>
+            <a:pPr algn="ctr"/>
+            <a:r>
+              <a:rPr lang="en-US" dirty="0"/>
+              <a:t>Push</a:t>
+            </a:r>
+          </a:p>
+        </p:txBody>
+      </p:sp>
+      <p:sp>
+        <p:nvSpPr>
+          <p:cNvPr id="11" name="TextBox 10"/>
+          <p:cNvSpPr txBox="1"/>
+          <p:nvPr/>
+        </p:nvSpPr>
+        <p:spPr>
+          <a:xfrm>
+            <a:off x="2306782" y="2563091"/>
+            <a:ext cx="1350818" cy="369332"/>
+          </a:xfrm>
+          <a:prstGeom prst="rect">
+            <a:avLst/>
+          </a:prstGeom>
+          <a:noFill/>
+        </p:spPr>
+        <p:txBody>
+          <a:bodyPr wrap="square" rtlCol="0">
+            <a:spAutoFit/>
+          </a:bodyPr>
+          <a:lstStyle/>
+          <a:p>
+            <a:pPr algn="ctr"/>
+            <a:r>
+              <a:rPr lang="en-US" dirty="0"/>
+              <a:t>Pop</a:t>
+            </a:r>
+          </a:p>
+        </p:txBody>
+      </p:sp>
+      <p:sp>
+        <p:nvSpPr>
+          <p:cNvPr id="12" name="TextBox 11"/>
+          <p:cNvSpPr txBox="1"/>
+          <p:nvPr/>
+        </p:nvSpPr>
+        <p:spPr>
+          <a:xfrm>
+            <a:off x="6522028" y="2563091"/>
+            <a:ext cx="1350818" cy="369332"/>
+          </a:xfrm>
+          <a:prstGeom prst="rect">
+            <a:avLst/>
+          </a:prstGeom>
+          <a:noFill/>
+        </p:spPr>
+        <p:txBody>
+          <a:bodyPr wrap="square" rtlCol="0">
+            <a:spAutoFit/>
+          </a:bodyPr>
+          <a:lstStyle/>
+          <a:p>
+            <a:pPr algn="ctr"/>
+            <a:r>
+              <a:rPr lang="en-US" dirty="0"/>
+              <a:t>Pop</a:t>
+            </a:r>
+          </a:p>
+        </p:txBody>
+      </p:sp>
+      <p:sp>
+        <p:nvSpPr>
+          <p:cNvPr id="13" name="TextBox 12"/>
+          <p:cNvSpPr txBox="1"/>
+          <p:nvPr/>
+        </p:nvSpPr>
+        <p:spPr>
+          <a:xfrm>
+            <a:off x="10768447" y="2563091"/>
+            <a:ext cx="1350818" cy="369332"/>
+          </a:xfrm>
+          <a:prstGeom prst="rect">
+            <a:avLst/>
+          </a:prstGeom>
+          <a:noFill/>
+        </p:spPr>
+        <p:txBody>
+          <a:bodyPr wrap="square" rtlCol="0">
+            <a:spAutoFit/>
+          </a:bodyPr>
+          <a:lstStyle/>
+          <a:p>
+            <a:pPr algn="ctr"/>
+            <a:r>
+              <a:rPr lang="en-US" dirty="0"/>
+              <a:t>Pop</a:t>
+            </a:r>
+          </a:p>
+        </p:txBody>
+      </p:sp>
+    </p:spTree>
+    <p:extLst>
+      <p:ext uri="{BB962C8B-B14F-4D97-AF65-F5344CB8AC3E}">
+        <p14:creationId xmlns:p14="http://schemas.microsoft.com/office/powerpoint/2010/main" val="2775763998"/>
+      </p:ext>
+    </p:extLst>
+  </p:cSld>
+  <p:clrMapOvr>
+    <a:masterClrMapping/>
+  </p:clrMapOvr>
+</p:sld>
+</file>
+
+<file path=ppt/slides/slide4.xml><?xml version="1.0" encoding="utf-8"?>
+<p:sld xmlns:a="http://schemas.openxmlformats.org/drawingml/2006/main" xmlns:r="http://schemas.openxmlformats.org/officeDocument/2006/relationships" xmlns:p="http://schemas.openxmlformats.org/presentationml/2006/main">
+  <p:cSld>
+    <p:spTree>
+      <p:nvGrpSpPr>
+        <p:cNvPr id="1" name=""/>
+        <p:cNvGrpSpPr/>
+        <p:nvPr/>
+      </p:nvGrpSpPr>
+      <p:grpSpPr>
+        <a:xfrm>
+          <a:off x="0" y="0"/>
+          <a:ext cx="0" cy="0"/>
+          <a:chOff x="0" y="0"/>
+          <a:chExt cx="0" cy="0"/>
+        </a:xfrm>
+      </p:grpSpPr>
+      <p:sp>
+        <p:nvSpPr>
+          <p:cNvPr id="5" name="Rectangle 4"/>
+          <p:cNvSpPr/>
+          <p:nvPr/>
+        </p:nvSpPr>
+        <p:spPr>
+          <a:xfrm>
+            <a:off x="457201" y="3221180"/>
+            <a:ext cx="2570018" cy="741219"/>
+          </a:xfrm>
+          <a:prstGeom prst="rect">
+            <a:avLst/>
+          </a:prstGeom>
+          <a:solidFill>
+            <a:srgbClr val="0079D6"/>
+          </a:solidFill>
+          <a:ln>
+            <a:solidFill>
+              <a:srgbClr val="0079D6"/>
+            </a:solidFill>
+          </a:ln>
+        </p:spPr>
+        <p:style>
+          <a:lnRef idx="2">
+            <a:schemeClr val="accent1">
+              <a:shade val="50000"/>
+            </a:schemeClr>
+          </a:lnRef>
+          <a:fillRef idx="1">
+            <a:schemeClr val="accent1"/>
+          </a:fillRef>
+          <a:effectRef idx="0">
+            <a:schemeClr val="accent1"/>
+          </a:effectRef>
+          <a:fontRef idx="minor">
+            <a:schemeClr val="lt1"/>
+          </a:fontRef>
+        </p:style>
+        <p:txBody>
+          <a:bodyPr rtlCol="0" anchor="ctr"/>
+          <a:lstStyle/>
+          <a:p>
+            <a:pPr algn="ctr"/>
+            <a:r>
+              <a:rPr lang="ja-JP" altLang="en-US" dirty="0"/>
+              <a:t>話題</a:t>
+            </a:r>
+            <a:r>
+              <a:rPr lang="en-US" altLang="ja-JP" dirty="0"/>
+              <a:t>1.</a:t>
+            </a:r>
+            <a:r>
+              <a:rPr lang="ja-JP" altLang="en-US" dirty="0"/>
+              <a:t>文脈</a:t>
+            </a:r>
+            <a:r>
+              <a:rPr lang="en-US" altLang="ja-JP" dirty="0"/>
+              <a:t>1</a:t>
+            </a:r>
+            <a:endParaRPr lang="en-US" dirty="0"/>
+          </a:p>
+        </p:txBody>
+      </p:sp>
+      <p:sp>
+        <p:nvSpPr>
+          <p:cNvPr id="10" name="Rectangle 9"/>
+          <p:cNvSpPr/>
+          <p:nvPr/>
+        </p:nvSpPr>
+        <p:spPr>
+          <a:xfrm>
+            <a:off x="3255819" y="3221180"/>
+            <a:ext cx="2570018" cy="741219"/>
+          </a:xfrm>
+          <a:prstGeom prst="rect">
+            <a:avLst/>
+          </a:prstGeom>
+          <a:solidFill>
+            <a:srgbClr val="0079D6"/>
+          </a:solidFill>
+          <a:ln>
+            <a:solidFill>
+              <a:srgbClr val="0079D6"/>
+            </a:solidFill>
+          </a:ln>
+        </p:spPr>
+        <p:style>
+          <a:lnRef idx="2">
+            <a:schemeClr val="accent1">
+              <a:shade val="50000"/>
+            </a:schemeClr>
+          </a:lnRef>
+          <a:fillRef idx="1">
+            <a:schemeClr val="accent1"/>
+          </a:fillRef>
+          <a:effectRef idx="0">
+            <a:schemeClr val="accent1"/>
+          </a:effectRef>
+          <a:fontRef idx="minor">
+            <a:schemeClr val="lt1"/>
+          </a:fontRef>
+        </p:style>
+        <p:txBody>
+          <a:bodyPr rtlCol="0" anchor="ctr"/>
+          <a:lstStyle/>
+          <a:p>
+            <a:pPr algn="ctr"/>
+            <a:r>
+              <a:rPr lang="ja-JP" altLang="en-US" dirty="0"/>
+              <a:t>話題</a:t>
+            </a:r>
+            <a:r>
+              <a:rPr lang="en-US" altLang="ja-JP" dirty="0"/>
+              <a:t>1.</a:t>
+            </a:r>
+            <a:r>
+              <a:rPr lang="ja-JP" altLang="en-US" dirty="0"/>
+              <a:t>文脈</a:t>
+            </a:r>
+            <a:r>
+              <a:rPr lang="en-US" altLang="ja-JP" dirty="0"/>
+              <a:t>1</a:t>
+            </a:r>
+            <a:endParaRPr lang="en-US" dirty="0"/>
+          </a:p>
+        </p:txBody>
+      </p:sp>
+      <p:sp>
+        <p:nvSpPr>
+          <p:cNvPr id="11" name="Rectangle 10"/>
+          <p:cNvSpPr/>
+          <p:nvPr/>
+        </p:nvSpPr>
+        <p:spPr>
+          <a:xfrm>
+            <a:off x="6054437" y="3221179"/>
+            <a:ext cx="2570018" cy="741219"/>
+          </a:xfrm>
+          <a:prstGeom prst="rect">
+            <a:avLst/>
+          </a:prstGeom>
+          <a:solidFill>
+            <a:srgbClr val="0079D6"/>
+          </a:solidFill>
+          <a:ln>
+            <a:solidFill>
+              <a:srgbClr val="0079D6"/>
+            </a:solidFill>
+          </a:ln>
+        </p:spPr>
+        <p:style>
+          <a:lnRef idx="2">
+            <a:schemeClr val="accent1">
+              <a:shade val="50000"/>
+            </a:schemeClr>
+          </a:lnRef>
+          <a:fillRef idx="1">
+            <a:schemeClr val="accent1"/>
+          </a:fillRef>
+          <a:effectRef idx="0">
+            <a:schemeClr val="accent1"/>
+          </a:effectRef>
+          <a:fontRef idx="minor">
+            <a:schemeClr val="lt1"/>
+          </a:fontRef>
+        </p:style>
+        <p:txBody>
+          <a:bodyPr rtlCol="0" anchor="ctr"/>
+          <a:lstStyle/>
+          <a:p>
+            <a:pPr algn="ctr"/>
+            <a:r>
+              <a:rPr lang="ja-JP" altLang="en-US"/>
+              <a:t>話題</a:t>
+            </a:r>
+            <a:r>
+              <a:rPr lang="en-US" altLang="ja-JP"/>
+              <a:t>1.</a:t>
+            </a:r>
+            <a:r>
+              <a:rPr lang="ja-JP" altLang="en-US"/>
+              <a:t>文脈</a:t>
+            </a:r>
+            <a:r>
+              <a:rPr lang="en-US" altLang="ja-JP"/>
+              <a:t>1</a:t>
+            </a:r>
+            <a:endParaRPr lang="en-US" dirty="0"/>
+          </a:p>
+        </p:txBody>
+      </p:sp>
+      <p:sp>
+        <p:nvSpPr>
+          <p:cNvPr id="12" name="Rectangle 11"/>
+          <p:cNvSpPr/>
+          <p:nvPr/>
+        </p:nvSpPr>
+        <p:spPr>
+          <a:xfrm>
+            <a:off x="8853055" y="3221178"/>
+            <a:ext cx="2570018" cy="741219"/>
+          </a:xfrm>
+          <a:prstGeom prst="rect">
+            <a:avLst/>
+          </a:prstGeom>
+          <a:solidFill>
+            <a:srgbClr val="0079D6"/>
+          </a:solidFill>
+          <a:ln>
+            <a:solidFill>
+              <a:srgbClr val="0079D6"/>
+            </a:solidFill>
+          </a:ln>
+        </p:spPr>
+        <p:style>
+          <a:lnRef idx="2">
+            <a:schemeClr val="accent1">
+              <a:shade val="50000"/>
+            </a:schemeClr>
+          </a:lnRef>
+          <a:fillRef idx="1">
+            <a:schemeClr val="accent1"/>
+          </a:fillRef>
+          <a:effectRef idx="0">
+            <a:schemeClr val="accent1"/>
+          </a:effectRef>
+          <a:fontRef idx="minor">
+            <a:schemeClr val="lt1"/>
+          </a:fontRef>
+        </p:style>
+        <p:txBody>
+          <a:bodyPr rtlCol="0" anchor="ctr"/>
+          <a:lstStyle/>
+          <a:p>
+            <a:pPr algn="ctr"/>
+            <a:r>
+              <a:rPr lang="en-US" dirty="0"/>
+              <a:t>RootDialog.function1</a:t>
+            </a:r>
+          </a:p>
+        </p:txBody>
+      </p:sp>
+      <p:sp>
+        <p:nvSpPr>
+          <p:cNvPr id="13" name="Rectangle 12"/>
+          <p:cNvSpPr/>
+          <p:nvPr/>
+        </p:nvSpPr>
+        <p:spPr>
+          <a:xfrm>
+            <a:off x="3255819" y="2327562"/>
+            <a:ext cx="2570018" cy="741219"/>
+          </a:xfrm>
+          <a:prstGeom prst="rect">
+            <a:avLst/>
+          </a:prstGeom>
+          <a:solidFill>
+            <a:srgbClr val="0079D6"/>
+          </a:solidFill>
+          <a:ln>
+            <a:solidFill>
+              <a:srgbClr val="0079D6"/>
+            </a:solidFill>
+          </a:ln>
+        </p:spPr>
+        <p:style>
+          <a:lnRef idx="2">
+            <a:schemeClr val="accent1">
+              <a:shade val="50000"/>
+            </a:schemeClr>
+          </a:lnRef>
+          <a:fillRef idx="1">
+            <a:schemeClr val="accent1"/>
+          </a:fillRef>
+          <a:effectRef idx="0">
+            <a:schemeClr val="accent1"/>
+          </a:effectRef>
+          <a:fontRef idx="minor">
+            <a:schemeClr val="lt1"/>
+          </a:fontRef>
+        </p:style>
+        <p:txBody>
+          <a:bodyPr rtlCol="0" anchor="ctr"/>
+          <a:lstStyle/>
+          <a:p>
+            <a:pPr algn="ctr"/>
+            <a:r>
+              <a:rPr lang="en-US" dirty="0"/>
+              <a:t>.function1</a:t>
+            </a:r>
+          </a:p>
+        </p:txBody>
+      </p:sp>
+      <p:sp>
+        <p:nvSpPr>
+          <p:cNvPr id="14" name="Rectangle 13"/>
+          <p:cNvSpPr/>
+          <p:nvPr/>
+        </p:nvSpPr>
+        <p:spPr>
+          <a:xfrm>
+            <a:off x="8853055" y="2327561"/>
+            <a:ext cx="2570018" cy="741219"/>
+          </a:xfrm>
+          <a:prstGeom prst="rect">
+            <a:avLst/>
+          </a:prstGeom>
+          <a:solidFill>
+            <a:srgbClr val="0079D6"/>
+          </a:solidFill>
+          <a:ln>
+            <a:solidFill>
+              <a:srgbClr val="0079D6"/>
+            </a:solidFill>
+          </a:ln>
+        </p:spPr>
+        <p:style>
+          <a:lnRef idx="2">
+            <a:schemeClr val="accent1">
+              <a:shade val="50000"/>
+            </a:schemeClr>
+          </a:lnRef>
+          <a:fillRef idx="1">
+            <a:schemeClr val="accent1"/>
+          </a:fillRef>
+          <a:effectRef idx="0">
+            <a:schemeClr val="accent1"/>
+          </a:effectRef>
+          <a:fontRef idx="minor">
+            <a:schemeClr val="lt1"/>
+          </a:fontRef>
+        </p:style>
+        <p:txBody>
+          <a:bodyPr rtlCol="0" anchor="ctr"/>
+          <a:lstStyle/>
+          <a:p>
+            <a:pPr algn="ctr"/>
+            <a:r>
+              <a:rPr lang="en-US" dirty="0"/>
+              <a:t>MeetingDialog.function2</a:t>
+            </a:r>
+          </a:p>
+        </p:txBody>
+      </p:sp>
+      <p:sp>
+        <p:nvSpPr>
+          <p:cNvPr id="2" name="TextBox 1"/>
+          <p:cNvSpPr txBox="1"/>
+          <p:nvPr/>
+        </p:nvSpPr>
+        <p:spPr>
+          <a:xfrm>
+            <a:off x="2466109" y="1690255"/>
+            <a:ext cx="1350818" cy="369332"/>
+          </a:xfrm>
+          <a:prstGeom prst="rect">
+            <a:avLst/>
+          </a:prstGeom>
+          <a:noFill/>
+        </p:spPr>
+        <p:txBody>
+          <a:bodyPr wrap="square" rtlCol="0">
+            <a:spAutoFit/>
+          </a:bodyPr>
+          <a:lstStyle/>
+          <a:p>
+            <a:pPr algn="ctr"/>
+            <a:r>
+              <a:rPr lang="en-US" dirty="0"/>
+              <a:t>Push</a:t>
+            </a:r>
+          </a:p>
+        </p:txBody>
+      </p:sp>
+      <p:sp>
+        <p:nvSpPr>
+          <p:cNvPr id="15" name="TextBox 14"/>
+          <p:cNvSpPr txBox="1"/>
+          <p:nvPr/>
+        </p:nvSpPr>
+        <p:spPr>
+          <a:xfrm>
+            <a:off x="8177646" y="1690255"/>
+            <a:ext cx="1350818" cy="369332"/>
+          </a:xfrm>
+          <a:prstGeom prst="rect">
+            <a:avLst/>
+          </a:prstGeom>
+          <a:noFill/>
+        </p:spPr>
+        <p:txBody>
+          <a:bodyPr wrap="square" rtlCol="0">
+            <a:spAutoFit/>
+          </a:bodyPr>
+          <a:lstStyle/>
+          <a:p>
+            <a:pPr algn="ctr"/>
+            <a:r>
+              <a:rPr lang="en-US" dirty="0"/>
+              <a:t>Push</a:t>
+            </a:r>
+          </a:p>
+        </p:txBody>
+      </p:sp>
+      <p:sp>
+        <p:nvSpPr>
+          <p:cNvPr id="16" name="TextBox 15"/>
+          <p:cNvSpPr txBox="1"/>
+          <p:nvPr/>
+        </p:nvSpPr>
+        <p:spPr>
+          <a:xfrm>
+            <a:off x="5150428" y="1697365"/>
+            <a:ext cx="1350818" cy="369332"/>
+          </a:xfrm>
+          <a:prstGeom prst="rect">
+            <a:avLst/>
+          </a:prstGeom>
+          <a:noFill/>
+        </p:spPr>
+        <p:txBody>
+          <a:bodyPr wrap="square" rtlCol="0">
+            <a:spAutoFit/>
+          </a:bodyPr>
+          <a:lstStyle/>
+          <a:p>
+            <a:pPr algn="ctr"/>
+            <a:r>
+              <a:rPr lang="en-US" dirty="0"/>
+              <a:t>Pop</a:t>
+            </a:r>
+          </a:p>
+        </p:txBody>
+      </p:sp>
+    </p:spTree>
+    <p:extLst>
+      <p:ext uri="{BB962C8B-B14F-4D97-AF65-F5344CB8AC3E}">
+        <p14:creationId xmlns:p14="http://schemas.microsoft.com/office/powerpoint/2010/main" val="1220386576"/>
+      </p:ext>
+    </p:extLst>
+  </p:cSld>
+  <p:clrMapOvr>
+    <a:masterClrMapping/>
+  </p:clrMapOvr>
+</p:sld>
+</file>
+
+<file path=ppt/slides/slide5.xml><?xml version="1.0" encoding="utf-8"?>
+<p:sld xmlns:a="http://schemas.openxmlformats.org/drawingml/2006/main" xmlns:r="http://schemas.openxmlformats.org/officeDocument/2006/relationships" xmlns:p="http://schemas.openxmlformats.org/presentationml/2006/main">
+  <p:cSld>
+    <p:spTree>
+      <p:nvGrpSpPr>
+        <p:cNvPr id="1" name=""/>
+        <p:cNvGrpSpPr/>
+        <p:nvPr/>
+      </p:nvGrpSpPr>
+      <p:grpSpPr>
+        <a:xfrm>
+          <a:off x="0" y="0"/>
+          <a:ext cx="0" cy="0"/>
+          <a:chOff x="0" y="0"/>
+          <a:chExt cx="0" cy="0"/>
+        </a:xfrm>
+      </p:grpSpPr>
+      <p:sp>
+        <p:nvSpPr>
+          <p:cNvPr id="5" name="Rectangle 4"/>
+          <p:cNvSpPr/>
+          <p:nvPr/>
+        </p:nvSpPr>
+        <p:spPr>
+          <a:xfrm>
+            <a:off x="457201" y="3221180"/>
+            <a:ext cx="2570018" cy="741219"/>
+          </a:xfrm>
+          <a:prstGeom prst="rect">
+            <a:avLst/>
+          </a:prstGeom>
+          <a:solidFill>
+            <a:srgbClr val="0079D6"/>
+          </a:solidFill>
+          <a:ln>
+            <a:solidFill>
+              <a:srgbClr val="0079D6"/>
+            </a:solidFill>
+          </a:ln>
+        </p:spPr>
+        <p:style>
+          <a:lnRef idx="2">
+            <a:schemeClr val="accent1">
+              <a:shade val="50000"/>
+            </a:schemeClr>
+          </a:lnRef>
+          <a:fillRef idx="1">
+            <a:schemeClr val="accent1"/>
+          </a:fillRef>
+          <a:effectRef idx="0">
+            <a:schemeClr val="accent1"/>
+          </a:effectRef>
+          <a:fontRef idx="minor">
+            <a:schemeClr val="lt1"/>
+          </a:fontRef>
+        </p:style>
+        <p:txBody>
+          <a:bodyPr rtlCol="0" anchor="ctr"/>
+          <a:lstStyle/>
+          <a:p>
+            <a:pPr algn="ctr"/>
+            <a:r>
+              <a:rPr lang="en-US" dirty="0"/>
+              <a:t>Ask Name</a:t>
+            </a:r>
+          </a:p>
+        </p:txBody>
+      </p:sp>
+      <p:sp>
+        <p:nvSpPr>
+          <p:cNvPr id="10" name="Rectangle 9"/>
+          <p:cNvSpPr/>
+          <p:nvPr/>
+        </p:nvSpPr>
+        <p:spPr>
+          <a:xfrm>
+            <a:off x="3255819" y="3221180"/>
+            <a:ext cx="2570018" cy="741219"/>
+          </a:xfrm>
+          <a:prstGeom prst="rect">
+            <a:avLst/>
+          </a:prstGeom>
+          <a:solidFill>
+            <a:srgbClr val="0079D6"/>
+          </a:solidFill>
+          <a:ln>
+            <a:solidFill>
+              <a:srgbClr val="0079D6"/>
+            </a:solidFill>
+          </a:ln>
+        </p:spPr>
+        <p:style>
+          <a:lnRef idx="2">
+            <a:schemeClr val="accent1">
+              <a:shade val="50000"/>
+            </a:schemeClr>
+          </a:lnRef>
+          <a:fillRef idx="1">
+            <a:schemeClr val="accent1"/>
+          </a:fillRef>
+          <a:effectRef idx="0">
+            <a:schemeClr val="accent1"/>
+          </a:effectRef>
+          <a:fontRef idx="minor">
+            <a:schemeClr val="lt1"/>
+          </a:fontRef>
+        </p:style>
+        <p:txBody>
+          <a:bodyPr rtlCol="0" anchor="ctr"/>
+          <a:lstStyle/>
+          <a:p>
+            <a:pPr algn="ctr"/>
+            <a:r>
+              <a:rPr lang="en-US" dirty="0"/>
+              <a:t>RootDialog.function1</a:t>
+            </a:r>
+          </a:p>
+        </p:txBody>
+      </p:sp>
+      <p:sp>
+        <p:nvSpPr>
+          <p:cNvPr id="11" name="Rectangle 10"/>
+          <p:cNvSpPr/>
+          <p:nvPr/>
+        </p:nvSpPr>
+        <p:spPr>
+          <a:xfrm>
+            <a:off x="6054437" y="3221179"/>
+            <a:ext cx="2570018" cy="741219"/>
+          </a:xfrm>
+          <a:prstGeom prst="rect">
+            <a:avLst/>
+          </a:prstGeom>
+          <a:solidFill>
+            <a:srgbClr val="0079D6"/>
+          </a:solidFill>
+          <a:ln>
+            <a:solidFill>
+              <a:srgbClr val="0079D6"/>
+            </a:solidFill>
+          </a:ln>
+        </p:spPr>
+        <p:style>
+          <a:lnRef idx="2">
+            <a:schemeClr val="accent1">
+              <a:shade val="50000"/>
+            </a:schemeClr>
+          </a:lnRef>
+          <a:fillRef idx="1">
+            <a:schemeClr val="accent1"/>
+          </a:fillRef>
+          <a:effectRef idx="0">
+            <a:schemeClr val="accent1"/>
+          </a:effectRef>
+          <a:fontRef idx="minor">
+            <a:schemeClr val="lt1"/>
+          </a:fontRef>
+        </p:style>
+        <p:txBody>
+          <a:bodyPr rtlCol="0" anchor="ctr"/>
+          <a:lstStyle/>
+          <a:p>
+            <a:pPr algn="ctr"/>
+            <a:r>
+              <a:rPr lang="en-US" dirty="0"/>
+              <a:t>RootDialog.function1</a:t>
+            </a:r>
+          </a:p>
+        </p:txBody>
+      </p:sp>
+      <p:sp>
+        <p:nvSpPr>
+          <p:cNvPr id="12" name="Rectangle 11"/>
+          <p:cNvSpPr/>
+          <p:nvPr/>
+        </p:nvSpPr>
+        <p:spPr>
+          <a:xfrm>
+            <a:off x="8853055" y="3221178"/>
+            <a:ext cx="2570018" cy="741219"/>
+          </a:xfrm>
+          <a:prstGeom prst="rect">
+            <a:avLst/>
+          </a:prstGeom>
+          <a:solidFill>
+            <a:srgbClr val="0079D6"/>
+          </a:solidFill>
+          <a:ln>
+            <a:solidFill>
+              <a:srgbClr val="0079D6"/>
+            </a:solidFill>
+          </a:ln>
+        </p:spPr>
+        <p:style>
+          <a:lnRef idx="2">
+            <a:schemeClr val="accent1">
+              <a:shade val="50000"/>
+            </a:schemeClr>
+          </a:lnRef>
+          <a:fillRef idx="1">
+            <a:schemeClr val="accent1"/>
+          </a:fillRef>
+          <a:effectRef idx="0">
+            <a:schemeClr val="accent1"/>
+          </a:effectRef>
+          <a:fontRef idx="minor">
+            <a:schemeClr val="lt1"/>
+          </a:fontRef>
+        </p:style>
+        <p:txBody>
+          <a:bodyPr rtlCol="0" anchor="ctr"/>
+          <a:lstStyle/>
+          <a:p>
+            <a:pPr algn="ctr"/>
+            <a:r>
+              <a:rPr lang="en-US" dirty="0"/>
+              <a:t>RootDialog.function1</a:t>
+            </a:r>
+          </a:p>
+        </p:txBody>
+      </p:sp>
+      <p:sp>
+        <p:nvSpPr>
+          <p:cNvPr id="13" name="Rectangle 12"/>
+          <p:cNvSpPr/>
+          <p:nvPr/>
+        </p:nvSpPr>
+        <p:spPr>
+          <a:xfrm>
+            <a:off x="3255819" y="2327562"/>
+            <a:ext cx="2570018" cy="741219"/>
+          </a:xfrm>
+          <a:prstGeom prst="rect">
+            <a:avLst/>
+          </a:prstGeom>
+          <a:solidFill>
+            <a:srgbClr val="0079D6"/>
+          </a:solidFill>
+          <a:ln>
+            <a:solidFill>
+              <a:srgbClr val="0079D6"/>
+            </a:solidFill>
+          </a:ln>
+        </p:spPr>
+        <p:style>
+          <a:lnRef idx="2">
+            <a:schemeClr val="accent1">
+              <a:shade val="50000"/>
+            </a:schemeClr>
+          </a:lnRef>
+          <a:fillRef idx="1">
+            <a:schemeClr val="accent1"/>
+          </a:fillRef>
+          <a:effectRef idx="0">
+            <a:schemeClr val="accent1"/>
+          </a:effectRef>
+          <a:fontRef idx="minor">
+            <a:schemeClr val="lt1"/>
+          </a:fontRef>
+        </p:style>
+        <p:txBody>
+          <a:bodyPr rtlCol="0" anchor="ctr"/>
+          <a:lstStyle/>
+          <a:p>
+            <a:pPr algn="ctr"/>
+            <a:r>
+              <a:rPr lang="en-US" dirty="0"/>
+              <a:t>.function1</a:t>
+            </a:r>
+          </a:p>
+        </p:txBody>
+      </p:sp>
+      <p:sp>
+        <p:nvSpPr>
+          <p:cNvPr id="14" name="Rectangle 13"/>
+          <p:cNvSpPr/>
+          <p:nvPr/>
+        </p:nvSpPr>
+        <p:spPr>
+          <a:xfrm>
+            <a:off x="8853055" y="2327561"/>
+            <a:ext cx="2570018" cy="741219"/>
+          </a:xfrm>
+          <a:prstGeom prst="rect">
+            <a:avLst/>
+          </a:prstGeom>
+          <a:solidFill>
+            <a:srgbClr val="0079D6"/>
+          </a:solidFill>
+          <a:ln>
+            <a:solidFill>
+              <a:srgbClr val="0079D6"/>
+            </a:solidFill>
+          </a:ln>
+        </p:spPr>
+        <p:style>
+          <a:lnRef idx="2">
+            <a:schemeClr val="accent1">
+              <a:shade val="50000"/>
+            </a:schemeClr>
+          </a:lnRef>
+          <a:fillRef idx="1">
+            <a:schemeClr val="accent1"/>
+          </a:fillRef>
+          <a:effectRef idx="0">
+            <a:schemeClr val="accent1"/>
+          </a:effectRef>
+          <a:fontRef idx="minor">
+            <a:schemeClr val="lt1"/>
+          </a:fontRef>
+        </p:style>
+        <p:txBody>
+          <a:bodyPr rtlCol="0" anchor="ctr"/>
+          <a:lstStyle/>
+          <a:p>
+            <a:pPr algn="ctr"/>
+            <a:r>
+              <a:rPr lang="en-US" dirty="0"/>
+              <a:t>MeetingDialog.function2</a:t>
+            </a:r>
+          </a:p>
+        </p:txBody>
+      </p:sp>
+      <p:sp>
+        <p:nvSpPr>
+          <p:cNvPr id="2" name="TextBox 1"/>
+          <p:cNvSpPr txBox="1"/>
+          <p:nvPr/>
+        </p:nvSpPr>
+        <p:spPr>
+          <a:xfrm>
+            <a:off x="2466109" y="1690255"/>
+            <a:ext cx="1350818" cy="369332"/>
+          </a:xfrm>
+          <a:prstGeom prst="rect">
+            <a:avLst/>
+          </a:prstGeom>
+          <a:noFill/>
+        </p:spPr>
+        <p:txBody>
+          <a:bodyPr wrap="square" rtlCol="0">
+            <a:spAutoFit/>
+          </a:bodyPr>
+          <a:lstStyle/>
+          <a:p>
+            <a:pPr algn="ctr"/>
+            <a:r>
+              <a:rPr lang="en-US" dirty="0"/>
+              <a:t>Push</a:t>
+            </a:r>
+          </a:p>
+        </p:txBody>
+      </p:sp>
+      <p:sp>
+        <p:nvSpPr>
+          <p:cNvPr id="15" name="TextBox 14"/>
+          <p:cNvSpPr txBox="1"/>
+          <p:nvPr/>
+        </p:nvSpPr>
+        <p:spPr>
+          <a:xfrm>
+            <a:off x="8177646" y="1690255"/>
+            <a:ext cx="1350818" cy="369332"/>
+          </a:xfrm>
+          <a:prstGeom prst="rect">
+            <a:avLst/>
+          </a:prstGeom>
+          <a:noFill/>
+        </p:spPr>
+        <p:txBody>
+          <a:bodyPr wrap="square" rtlCol="0">
+            <a:spAutoFit/>
+          </a:bodyPr>
+          <a:lstStyle/>
+          <a:p>
+            <a:pPr algn="ctr"/>
+            <a:r>
+              <a:rPr lang="en-US" dirty="0"/>
+              <a:t>Push</a:t>
+            </a:r>
+          </a:p>
+        </p:txBody>
+      </p:sp>
+      <p:sp>
+        <p:nvSpPr>
+          <p:cNvPr id="16" name="TextBox 15"/>
+          <p:cNvSpPr txBox="1"/>
+          <p:nvPr/>
+        </p:nvSpPr>
+        <p:spPr>
+          <a:xfrm>
+            <a:off x="5150428" y="1697365"/>
+            <a:ext cx="1350818" cy="369332"/>
+          </a:xfrm>
+          <a:prstGeom prst="rect">
+            <a:avLst/>
+          </a:prstGeom>
+          <a:noFill/>
+        </p:spPr>
+        <p:txBody>
+          <a:bodyPr wrap="square" rtlCol="0">
+            <a:spAutoFit/>
+          </a:bodyPr>
+          <a:lstStyle/>
+          <a:p>
+            <a:pPr algn="ctr"/>
+            <a:r>
+              <a:rPr lang="en-US" dirty="0"/>
+              <a:t>Pop</a:t>
+            </a:r>
+          </a:p>
+        </p:txBody>
+      </p:sp>
+    </p:spTree>
+    <p:extLst>
+      <p:ext uri="{BB962C8B-B14F-4D97-AF65-F5344CB8AC3E}">
+        <p14:creationId xmlns:p14="http://schemas.microsoft.com/office/powerpoint/2010/main" val="3012525826"/>
+      </p:ext>
+    </p:extLst>
+  </p:cSld>
+  <p:clrMapOvr>
+    <a:masterClrMapping/>
+  </p:clrMapOvr>
+</p:sld>
+</file>
+
+<file path=ppt/slides/slide6.xml><?xml version="1.0" encoding="utf-8"?>
+<p:sld xmlns:a="http://schemas.openxmlformats.org/drawingml/2006/main" xmlns:r="http://schemas.openxmlformats.org/officeDocument/2006/relationships" xmlns:p="http://schemas.openxmlformats.org/presentationml/2006/main">
+  <p:cSld>
+    <p:spTree>
+      <p:nvGrpSpPr>
+        <p:cNvPr id="1" name=""/>
+        <p:cNvGrpSpPr/>
+        <p:nvPr/>
+      </p:nvGrpSpPr>
+      <p:grpSpPr>
+        <a:xfrm>
+          <a:off x="0" y="0"/>
+          <a:ext cx="0" cy="0"/>
+          <a:chOff x="0" y="0"/>
+          <a:chExt cx="0" cy="0"/>
+        </a:xfrm>
+      </p:grpSpPr>
+      <p:sp>
+        <p:nvSpPr>
+          <p:cNvPr id="13" name="Rectangle 12"/>
+          <p:cNvSpPr/>
+          <p:nvPr/>
+        </p:nvSpPr>
+        <p:spPr>
+          <a:xfrm>
+            <a:off x="3255819" y="2327562"/>
+            <a:ext cx="2570018" cy="741219"/>
+          </a:xfrm>
+          <a:prstGeom prst="rect">
+            <a:avLst/>
+          </a:prstGeom>
+          <a:solidFill>
+            <a:srgbClr val="0079D6"/>
+          </a:solidFill>
+          <a:ln>
+            <a:solidFill>
+              <a:srgbClr val="0079D6"/>
+            </a:solidFill>
+          </a:ln>
+        </p:spPr>
+        <p:style>
+          <a:lnRef idx="2">
+            <a:schemeClr val="accent1">
+              <a:shade val="50000"/>
+            </a:schemeClr>
+          </a:lnRef>
+          <a:fillRef idx="1">
+            <a:schemeClr val="accent1"/>
+          </a:fillRef>
+          <a:effectRef idx="0">
+            <a:schemeClr val="accent1"/>
+          </a:effectRef>
+          <a:fontRef idx="minor">
+            <a:schemeClr val="lt1"/>
+          </a:fontRef>
+        </p:style>
+        <p:txBody>
+          <a:bodyPr rtlCol="0" anchor="ctr"/>
+          <a:lstStyle/>
+          <a:p>
+            <a:pPr algn="ctr"/>
+            <a:r>
+              <a:rPr lang="en-US" dirty="0"/>
+              <a:t>MeetingDialog.function1</a:t>
+            </a:r>
+          </a:p>
+        </p:txBody>
+      </p:sp>
+      <p:sp>
+        <p:nvSpPr>
+          <p:cNvPr id="14" name="Rectangle 13"/>
+          <p:cNvSpPr/>
+          <p:nvPr/>
+        </p:nvSpPr>
+        <p:spPr>
+          <a:xfrm>
+            <a:off x="8853055" y="2327561"/>
+            <a:ext cx="2570018" cy="741219"/>
+          </a:xfrm>
+          <a:prstGeom prst="rect">
+            <a:avLst/>
+          </a:prstGeom>
+          <a:solidFill>
+            <a:srgbClr val="0079D6"/>
+          </a:solidFill>
+          <a:ln>
+            <a:solidFill>
+              <a:srgbClr val="0079D6"/>
+            </a:solidFill>
+          </a:ln>
+        </p:spPr>
+        <p:style>
+          <a:lnRef idx="2">
+            <a:schemeClr val="accent1">
+              <a:shade val="50000"/>
+            </a:schemeClr>
+          </a:lnRef>
+          <a:fillRef idx="1">
+            <a:schemeClr val="accent1"/>
+          </a:fillRef>
+          <a:effectRef idx="0">
+            <a:schemeClr val="accent1"/>
+          </a:effectRef>
+          <a:fontRef idx="minor">
+            <a:schemeClr val="lt1"/>
+          </a:fontRef>
+        </p:style>
+        <p:txBody>
+          <a:bodyPr rtlCol="0" anchor="ctr"/>
+          <a:lstStyle/>
+          <a:p>
+            <a:pPr algn="ctr"/>
+            <a:r>
+              <a:rPr lang="en-US" dirty="0"/>
+              <a:t>MeetingDialog.function2</a:t>
+            </a:r>
+          </a:p>
+        </p:txBody>
+      </p:sp>
+      <p:sp>
+        <p:nvSpPr>
+          <p:cNvPr id="2" name="TextBox 1"/>
+          <p:cNvSpPr txBox="1"/>
+          <p:nvPr/>
+        </p:nvSpPr>
+        <p:spPr>
+          <a:xfrm>
+            <a:off x="2466109" y="1690255"/>
+            <a:ext cx="1350818" cy="369332"/>
+          </a:xfrm>
+          <a:prstGeom prst="rect">
+            <a:avLst/>
+          </a:prstGeom>
+          <a:noFill/>
+        </p:spPr>
+        <p:txBody>
+          <a:bodyPr wrap="square" rtlCol="0">
+            <a:spAutoFit/>
+          </a:bodyPr>
+          <a:lstStyle/>
+          <a:p>
+            <a:pPr algn="ctr"/>
+            <a:r>
+              <a:rPr lang="en-US" dirty="0"/>
+              <a:t>Push</a:t>
+            </a:r>
+          </a:p>
+        </p:txBody>
+      </p:sp>
+      <p:sp>
+        <p:nvSpPr>
+          <p:cNvPr id="15" name="TextBox 14"/>
+          <p:cNvSpPr txBox="1"/>
+          <p:nvPr/>
+        </p:nvSpPr>
+        <p:spPr>
+          <a:xfrm>
+            <a:off x="8177646" y="1690255"/>
+            <a:ext cx="1350818" cy="369332"/>
+          </a:xfrm>
+          <a:prstGeom prst="rect">
+            <a:avLst/>
+          </a:prstGeom>
+          <a:noFill/>
+        </p:spPr>
+        <p:txBody>
+          <a:bodyPr wrap="square" rtlCol="0">
+            <a:spAutoFit/>
+          </a:bodyPr>
+          <a:lstStyle/>
+          <a:p>
+            <a:pPr algn="ctr"/>
+            <a:r>
+              <a:rPr lang="en-US" dirty="0"/>
+              <a:t>Push</a:t>
+            </a:r>
+          </a:p>
+        </p:txBody>
+      </p:sp>
+      <p:sp>
+        <p:nvSpPr>
+          <p:cNvPr id="16" name="TextBox 15"/>
+          <p:cNvSpPr txBox="1"/>
+          <p:nvPr/>
+        </p:nvSpPr>
+        <p:spPr>
+          <a:xfrm>
+            <a:off x="5150428" y="1697365"/>
+            <a:ext cx="1350818" cy="369332"/>
+          </a:xfrm>
+          <a:prstGeom prst="rect">
+            <a:avLst/>
+          </a:prstGeom>
+          <a:noFill/>
+        </p:spPr>
+        <p:txBody>
+          <a:bodyPr wrap="square" rtlCol="0">
+            <a:spAutoFit/>
+          </a:bodyPr>
+          <a:lstStyle/>
+          <a:p>
+            <a:pPr algn="ctr"/>
+            <a:r>
+              <a:rPr lang="en-US" dirty="0"/>
+              <a:t>Pop</a:t>
+            </a:r>
+          </a:p>
+        </p:txBody>
+      </p:sp>
+      <p:sp>
+        <p:nvSpPr>
+          <p:cNvPr id="17" name="Rectangle 16"/>
+          <p:cNvSpPr/>
+          <p:nvPr/>
+        </p:nvSpPr>
+        <p:spPr>
+          <a:xfrm>
+            <a:off x="571499" y="3255816"/>
+            <a:ext cx="10851573" cy="741219"/>
+          </a:xfrm>
+          <a:prstGeom prst="rect">
+            <a:avLst/>
+          </a:prstGeom>
+          <a:solidFill>
+            <a:srgbClr val="0079D6"/>
+          </a:solidFill>
+          <a:ln>
+            <a:solidFill>
+              <a:srgbClr val="0079D6"/>
+            </a:solidFill>
+          </a:ln>
+        </p:spPr>
+        <p:style>
+          <a:lnRef idx="2">
+            <a:schemeClr val="accent1">
+              <a:shade val="50000"/>
+            </a:schemeClr>
+          </a:lnRef>
+          <a:fillRef idx="1">
+            <a:schemeClr val="accent1"/>
+          </a:fillRef>
+          <a:effectRef idx="0">
+            <a:schemeClr val="accent1"/>
+          </a:effectRef>
+          <a:fontRef idx="minor">
+            <a:schemeClr val="lt1"/>
+          </a:fontRef>
+        </p:style>
+        <p:txBody>
+          <a:bodyPr rtlCol="0" anchor="ctr"/>
+          <a:lstStyle/>
+          <a:p>
+            <a:pPr algn="ctr"/>
+            <a:r>
+              <a:rPr lang="en-US" dirty="0" err="1"/>
+              <a:t>MessageController</a:t>
+            </a:r>
+            <a:endParaRPr lang="en-US" dirty="0"/>
+          </a:p>
+        </p:txBody>
+      </p:sp>
+    </p:spTree>
+    <p:extLst>
+      <p:ext uri="{BB962C8B-B14F-4D97-AF65-F5344CB8AC3E}">
+        <p14:creationId xmlns:p14="http://schemas.microsoft.com/office/powerpoint/2010/main" val="1222119797"/>
+      </p:ext>
+    </p:extLst>
+  </p:cSld>
+  <p:clrMapOvr>
+    <a:masterClrMapping/>
+  </p:clrMapOvr>
+</p:sld>
+</file>
+
+<file path=ppt/slides/slide7.xml><?xml version="1.0" encoding="utf-8"?>
+<p:sld xmlns:a="http://schemas.openxmlformats.org/drawingml/2006/main" xmlns:r="http://schemas.openxmlformats.org/officeDocument/2006/relationships" xmlns:p="http://schemas.openxmlformats.org/presentationml/2006/main">
+  <p:cSld>
+    <p:spTree>
+      <p:nvGrpSpPr>
+        <p:cNvPr id="1" name=""/>
+        <p:cNvGrpSpPr/>
+        <p:nvPr/>
+      </p:nvGrpSpPr>
+      <p:grpSpPr>
+        <a:xfrm>
+          <a:off x="0" y="0"/>
+          <a:ext cx="0" cy="0"/>
+          <a:chOff x="0" y="0"/>
+          <a:chExt cx="0" cy="0"/>
+        </a:xfrm>
+      </p:grpSpPr>
+      <p:sp>
+        <p:nvSpPr>
+          <p:cNvPr id="13" name="Rectangle 12"/>
+          <p:cNvSpPr/>
+          <p:nvPr/>
+        </p:nvSpPr>
+        <p:spPr>
+          <a:xfrm>
+            <a:off x="3255819" y="2327562"/>
+            <a:ext cx="2570018" cy="741219"/>
+          </a:xfrm>
+          <a:prstGeom prst="rect">
+            <a:avLst/>
+          </a:prstGeom>
+          <a:solidFill>
+            <a:srgbClr val="0079D6"/>
+          </a:solidFill>
+          <a:ln>
+            <a:solidFill>
+              <a:srgbClr val="0079D6"/>
+            </a:solidFill>
+          </a:ln>
+        </p:spPr>
+        <p:style>
+          <a:lnRef idx="2">
+            <a:schemeClr val="accent1">
+              <a:shade val="50000"/>
+            </a:schemeClr>
+          </a:lnRef>
+          <a:fillRef idx="1">
+            <a:schemeClr val="accent1"/>
+          </a:fillRef>
+          <a:effectRef idx="0">
+            <a:schemeClr val="accent1"/>
+          </a:effectRef>
+          <a:fontRef idx="minor">
+            <a:schemeClr val="lt1"/>
+          </a:fontRef>
+        </p:style>
+        <p:txBody>
+          <a:bodyPr rtlCol="0" anchor="ctr"/>
+          <a:lstStyle/>
+          <a:p>
+            <a:pPr algn="ctr"/>
+            <a:r>
+              <a:rPr lang="en-US" dirty="0"/>
+              <a:t>MeetingDialog.function1</a:t>
+            </a:r>
+          </a:p>
+        </p:txBody>
+      </p:sp>
+      <p:sp>
+        <p:nvSpPr>
+          <p:cNvPr id="14" name="Rectangle 13"/>
+          <p:cNvSpPr/>
+          <p:nvPr/>
+        </p:nvSpPr>
+        <p:spPr>
+          <a:xfrm>
+            <a:off x="8853055" y="2327561"/>
+            <a:ext cx="2570018" cy="741219"/>
+          </a:xfrm>
+          <a:prstGeom prst="rect">
+            <a:avLst/>
+          </a:prstGeom>
+          <a:solidFill>
+            <a:srgbClr val="0079D6"/>
+          </a:solidFill>
+          <a:ln>
+            <a:solidFill>
+              <a:srgbClr val="0079D6"/>
+            </a:solidFill>
+          </a:ln>
+        </p:spPr>
+        <p:style>
+          <a:lnRef idx="2">
+            <a:schemeClr val="accent1">
+              <a:shade val="50000"/>
+            </a:schemeClr>
+          </a:lnRef>
+          <a:fillRef idx="1">
+            <a:schemeClr val="accent1"/>
+          </a:fillRef>
+          <a:effectRef idx="0">
+            <a:schemeClr val="accent1"/>
+          </a:effectRef>
+          <a:fontRef idx="minor">
+            <a:schemeClr val="lt1"/>
+          </a:fontRef>
+        </p:style>
+        <p:txBody>
+          <a:bodyPr rtlCol="0" anchor="ctr"/>
+          <a:lstStyle/>
+          <a:p>
+            <a:pPr algn="ctr"/>
+            <a:r>
+              <a:rPr lang="en-US" dirty="0"/>
+              <a:t>MeetingDialog.function2</a:t>
+            </a:r>
+          </a:p>
+        </p:txBody>
+      </p:sp>
+      <p:sp>
+        <p:nvSpPr>
+          <p:cNvPr id="2" name="TextBox 1"/>
+          <p:cNvSpPr txBox="1"/>
+          <p:nvPr/>
+        </p:nvSpPr>
+        <p:spPr>
+          <a:xfrm>
+            <a:off x="2466109" y="1690255"/>
+            <a:ext cx="1350818" cy="369332"/>
+          </a:xfrm>
+          <a:prstGeom prst="rect">
+            <a:avLst/>
+          </a:prstGeom>
+          <a:noFill/>
+        </p:spPr>
+        <p:txBody>
+          <a:bodyPr wrap="square" rtlCol="0">
+            <a:spAutoFit/>
+          </a:bodyPr>
+          <a:lstStyle/>
+          <a:p>
+            <a:pPr algn="ctr"/>
+            <a:r>
+              <a:rPr lang="en-US" dirty="0"/>
+              <a:t>Push</a:t>
+            </a:r>
+          </a:p>
+        </p:txBody>
+      </p:sp>
+      <p:sp>
+        <p:nvSpPr>
+          <p:cNvPr id="15" name="TextBox 14"/>
+          <p:cNvSpPr txBox="1"/>
+          <p:nvPr/>
+        </p:nvSpPr>
+        <p:spPr>
+          <a:xfrm>
+            <a:off x="8177646" y="1690255"/>
+            <a:ext cx="1350818" cy="369332"/>
+          </a:xfrm>
+          <a:prstGeom prst="rect">
+            <a:avLst/>
+          </a:prstGeom>
+          <a:noFill/>
+        </p:spPr>
+        <p:txBody>
+          <a:bodyPr wrap="square" rtlCol="0">
+            <a:spAutoFit/>
+          </a:bodyPr>
+          <a:lstStyle/>
+          <a:p>
+            <a:pPr algn="ctr"/>
+            <a:r>
+              <a:rPr lang="en-US" dirty="0"/>
+              <a:t>Push</a:t>
+            </a:r>
+          </a:p>
+        </p:txBody>
+      </p:sp>
+      <p:sp>
+        <p:nvSpPr>
+          <p:cNvPr id="16" name="TextBox 15"/>
+          <p:cNvSpPr txBox="1"/>
+          <p:nvPr/>
+        </p:nvSpPr>
+        <p:spPr>
+          <a:xfrm>
+            <a:off x="5150428" y="1697365"/>
+            <a:ext cx="1350818" cy="369332"/>
+          </a:xfrm>
+          <a:prstGeom prst="rect">
+            <a:avLst/>
+          </a:prstGeom>
+          <a:noFill/>
+        </p:spPr>
+        <p:txBody>
+          <a:bodyPr wrap="square" rtlCol="0">
+            <a:spAutoFit/>
+          </a:bodyPr>
+          <a:lstStyle/>
+          <a:p>
+            <a:pPr algn="ctr"/>
+            <a:r>
+              <a:rPr lang="en-US" dirty="0"/>
+              <a:t>Pop</a:t>
+            </a:r>
+          </a:p>
+        </p:txBody>
+      </p:sp>
+      <p:sp>
+        <p:nvSpPr>
+          <p:cNvPr id="17" name="Rectangle 16"/>
+          <p:cNvSpPr/>
+          <p:nvPr/>
+        </p:nvSpPr>
+        <p:spPr>
+          <a:xfrm>
+            <a:off x="571499" y="3255816"/>
+            <a:ext cx="10851573" cy="741219"/>
+          </a:xfrm>
+          <a:prstGeom prst="rect">
+            <a:avLst/>
+          </a:prstGeom>
+          <a:solidFill>
+            <a:srgbClr val="0079D6"/>
+          </a:solidFill>
+          <a:ln>
+            <a:solidFill>
+              <a:srgbClr val="0079D6"/>
+            </a:solidFill>
+          </a:ln>
+        </p:spPr>
+        <p:style>
+          <a:lnRef idx="2">
+            <a:schemeClr val="accent1">
+              <a:shade val="50000"/>
+            </a:schemeClr>
+          </a:lnRef>
+          <a:fillRef idx="1">
+            <a:schemeClr val="accent1"/>
+          </a:fillRef>
+          <a:effectRef idx="0">
+            <a:schemeClr val="accent1"/>
+          </a:effectRef>
+          <a:fontRef idx="minor">
+            <a:schemeClr val="lt1"/>
+          </a:fontRef>
+        </p:style>
+        <p:txBody>
+          <a:bodyPr rtlCol="0" anchor="ctr"/>
+          <a:lstStyle/>
+          <a:p>
+            <a:pPr algn="ctr"/>
+            <a:r>
+              <a:rPr lang="en-US" dirty="0" err="1"/>
+              <a:t>MessageController</a:t>
+            </a:r>
+            <a:endParaRPr lang="en-US" dirty="0"/>
+          </a:p>
+        </p:txBody>
+      </p:sp>
+    </p:spTree>
+    <p:extLst>
+      <p:ext uri="{BB962C8B-B14F-4D97-AF65-F5344CB8AC3E}">
+        <p14:creationId xmlns:p14="http://schemas.microsoft.com/office/powerpoint/2010/main" val="128808290"/>
+      </p:ext>
+    </p:extLst>
+  </p:cSld>
+  <p:clrMapOvr>
+    <a:masterClrMapping/>
+  </p:clrMapOvr>
+</p:sld>
+</file>
+
+<file path=ppt/slides/slide8.xml><?xml version="1.0" encoding="utf-8"?>
+<p:sld xmlns:a="http://schemas.openxmlformats.org/drawingml/2006/main" xmlns:r="http://schemas.openxmlformats.org/officeDocument/2006/relationships" xmlns:p="http://schemas.openxmlformats.org/presentationml/2006/main">
+  <p:cSld>
+    <p:spTree>
+      <p:nvGrpSpPr>
+        <p:cNvPr id="1" name=""/>
+        <p:cNvGrpSpPr/>
+        <p:nvPr/>
+      </p:nvGrpSpPr>
+      <p:grpSpPr>
+        <a:xfrm>
+          <a:off x="0" y="0"/>
+          <a:ext cx="0" cy="0"/>
+          <a:chOff x="0" y="0"/>
+          <a:chExt cx="0" cy="0"/>
+        </a:xfrm>
+      </p:grpSpPr>
+      <p:sp>
+        <p:nvSpPr>
+          <p:cNvPr id="5" name="Rectangle 4"/>
+          <p:cNvSpPr/>
+          <p:nvPr/>
+        </p:nvSpPr>
+        <p:spPr>
+          <a:xfrm>
+            <a:off x="457201" y="3221180"/>
+            <a:ext cx="2570018" cy="741219"/>
+          </a:xfrm>
+          <a:prstGeom prst="rect">
+            <a:avLst/>
+          </a:prstGeom>
+          <a:solidFill>
+            <a:srgbClr val="0079D6"/>
+          </a:solidFill>
+          <a:ln>
+            <a:solidFill>
+              <a:srgbClr val="0079D6"/>
+            </a:solidFill>
+          </a:ln>
+        </p:spPr>
+        <p:style>
+          <a:lnRef idx="2">
+            <a:schemeClr val="accent1">
+              <a:shade val="50000"/>
+            </a:schemeClr>
+          </a:lnRef>
+          <a:fillRef idx="1">
+            <a:schemeClr val="accent1"/>
+          </a:fillRef>
+          <a:effectRef idx="0">
+            <a:schemeClr val="accent1"/>
+          </a:effectRef>
+          <a:fontRef idx="minor">
+            <a:schemeClr val="lt1"/>
+          </a:fontRef>
+        </p:style>
+        <p:txBody>
+          <a:bodyPr rtlCol="0" anchor="ctr"/>
+          <a:lstStyle/>
+          <a:p>
+            <a:pPr algn="ctr"/>
+            <a:r>
+              <a:rPr lang="en-US" dirty="0"/>
+              <a:t>RootDialog.function1</a:t>
+            </a:r>
+          </a:p>
+        </p:txBody>
+      </p:sp>
+      <p:sp>
+        <p:nvSpPr>
+          <p:cNvPr id="10" name="Rectangle 9"/>
+          <p:cNvSpPr/>
+          <p:nvPr/>
+        </p:nvSpPr>
+        <p:spPr>
+          <a:xfrm>
+            <a:off x="3255819" y="3221180"/>
+            <a:ext cx="2570018" cy="741219"/>
+          </a:xfrm>
+          <a:prstGeom prst="rect">
+            <a:avLst/>
+          </a:prstGeom>
+          <a:solidFill>
+            <a:srgbClr val="0079D6"/>
+          </a:solidFill>
+          <a:ln>
+            <a:solidFill>
+              <a:srgbClr val="0079D6"/>
+            </a:solidFill>
+          </a:ln>
+        </p:spPr>
+        <p:style>
+          <a:lnRef idx="2">
+            <a:schemeClr val="accent1">
+              <a:shade val="50000"/>
+            </a:schemeClr>
+          </a:lnRef>
+          <a:fillRef idx="1">
+            <a:schemeClr val="accent1"/>
+          </a:fillRef>
+          <a:effectRef idx="0">
+            <a:schemeClr val="accent1"/>
+          </a:effectRef>
+          <a:fontRef idx="minor">
+            <a:schemeClr val="lt1"/>
+          </a:fontRef>
+        </p:style>
+        <p:txBody>
+          <a:bodyPr rtlCol="0" anchor="ctr"/>
+          <a:lstStyle/>
+          <a:p>
+            <a:pPr algn="ctr"/>
+            <a:r>
+              <a:rPr lang="en-US" dirty="0"/>
+              <a:t>RootDialog.function1</a:t>
+            </a:r>
+          </a:p>
+        </p:txBody>
+      </p:sp>
+      <p:sp>
+        <p:nvSpPr>
+          <p:cNvPr id="11" name="Rectangle 10"/>
+          <p:cNvSpPr/>
+          <p:nvPr/>
+        </p:nvSpPr>
+        <p:spPr>
+          <a:xfrm>
+            <a:off x="6054437" y="3221179"/>
+            <a:ext cx="2570018" cy="741219"/>
+          </a:xfrm>
+          <a:prstGeom prst="rect">
+            <a:avLst/>
+          </a:prstGeom>
+          <a:solidFill>
+            <a:srgbClr val="0079D6"/>
+          </a:solidFill>
+          <a:ln>
+            <a:solidFill>
+              <a:srgbClr val="0079D6"/>
+            </a:solidFill>
+          </a:ln>
+        </p:spPr>
+        <p:style>
+          <a:lnRef idx="2">
+            <a:schemeClr val="accent1">
+              <a:shade val="50000"/>
+            </a:schemeClr>
+          </a:lnRef>
+          <a:fillRef idx="1">
+            <a:schemeClr val="accent1"/>
+          </a:fillRef>
+          <a:effectRef idx="0">
+            <a:schemeClr val="accent1"/>
+          </a:effectRef>
+          <a:fontRef idx="minor">
+            <a:schemeClr val="lt1"/>
+          </a:fontRef>
+        </p:style>
+        <p:txBody>
+          <a:bodyPr rtlCol="0" anchor="ctr"/>
+          <a:lstStyle/>
+          <a:p>
+            <a:pPr algn="ctr"/>
+            <a:r>
+              <a:rPr lang="en-US" dirty="0"/>
+              <a:t>RootDialog.function1</a:t>
+            </a:r>
+          </a:p>
+        </p:txBody>
+      </p:sp>
+      <p:sp>
+        <p:nvSpPr>
+          <p:cNvPr id="12" name="Rectangle 11"/>
+          <p:cNvSpPr/>
+          <p:nvPr/>
+        </p:nvSpPr>
+        <p:spPr>
+          <a:xfrm>
+            <a:off x="8853055" y="3221178"/>
+            <a:ext cx="2570018" cy="741219"/>
+          </a:xfrm>
+          <a:prstGeom prst="rect">
+            <a:avLst/>
+          </a:prstGeom>
+          <a:solidFill>
+            <a:srgbClr val="0079D6"/>
+          </a:solidFill>
+          <a:ln>
+            <a:solidFill>
+              <a:srgbClr val="0079D6"/>
+            </a:solidFill>
+          </a:ln>
+        </p:spPr>
+        <p:style>
+          <a:lnRef idx="2">
+            <a:schemeClr val="accent1">
+              <a:shade val="50000"/>
+            </a:schemeClr>
+          </a:lnRef>
+          <a:fillRef idx="1">
+            <a:schemeClr val="accent1"/>
+          </a:fillRef>
+          <a:effectRef idx="0">
+            <a:schemeClr val="accent1"/>
+          </a:effectRef>
+          <a:fontRef idx="minor">
+            <a:schemeClr val="lt1"/>
+          </a:fontRef>
+        </p:style>
+        <p:txBody>
+          <a:bodyPr rtlCol="0" anchor="ctr"/>
+          <a:lstStyle/>
+          <a:p>
+            <a:pPr algn="ctr"/>
+            <a:r>
+              <a:rPr lang="en-US" dirty="0"/>
+              <a:t>RootDialog.function1</a:t>
+            </a:r>
+          </a:p>
+        </p:txBody>
+      </p:sp>
+      <p:sp>
+        <p:nvSpPr>
+          <p:cNvPr id="13" name="Rectangle 12"/>
+          <p:cNvSpPr/>
+          <p:nvPr/>
+        </p:nvSpPr>
+        <p:spPr>
+          <a:xfrm>
+            <a:off x="3255819" y="2327562"/>
+            <a:ext cx="2570018" cy="741219"/>
+          </a:xfrm>
+          <a:prstGeom prst="rect">
+            <a:avLst/>
+          </a:prstGeom>
+          <a:solidFill>
+            <a:srgbClr val="0079D6"/>
+          </a:solidFill>
+          <a:ln>
+            <a:solidFill>
+              <a:srgbClr val="0079D6"/>
+            </a:solidFill>
+          </a:ln>
+        </p:spPr>
+        <p:style>
+          <a:lnRef idx="2">
+            <a:schemeClr val="accent1">
+              <a:shade val="50000"/>
+            </a:schemeClr>
+          </a:lnRef>
+          <a:fillRef idx="1">
+            <a:schemeClr val="accent1"/>
+          </a:fillRef>
+          <a:effectRef idx="0">
+            <a:schemeClr val="accent1"/>
+          </a:effectRef>
+          <a:fontRef idx="minor">
+            <a:schemeClr val="lt1"/>
+          </a:fontRef>
+        </p:style>
+        <p:txBody>
+          <a:bodyPr rtlCol="0" anchor="ctr"/>
+          <a:lstStyle/>
+          <a:p>
+            <a:pPr algn="ctr"/>
+            <a:r>
+              <a:rPr lang="en-US" dirty="0"/>
+              <a:t>MeetingDialog.function1</a:t>
+            </a:r>
+          </a:p>
+        </p:txBody>
+      </p:sp>
+      <p:sp>
+        <p:nvSpPr>
+          <p:cNvPr id="14" name="Rectangle 13"/>
+          <p:cNvSpPr/>
+          <p:nvPr/>
+        </p:nvSpPr>
+        <p:spPr>
+          <a:xfrm>
+            <a:off x="8853055" y="2327561"/>
+            <a:ext cx="2570018" cy="741219"/>
+          </a:xfrm>
+          <a:prstGeom prst="rect">
+            <a:avLst/>
+          </a:prstGeom>
+          <a:solidFill>
+            <a:srgbClr val="0079D6"/>
+          </a:solidFill>
+          <a:ln>
+            <a:solidFill>
+              <a:srgbClr val="0079D6"/>
+            </a:solidFill>
+          </a:ln>
+        </p:spPr>
+        <p:style>
+          <a:lnRef idx="2">
+            <a:schemeClr val="accent1">
+              <a:shade val="50000"/>
+            </a:schemeClr>
+          </a:lnRef>
+          <a:fillRef idx="1">
+            <a:schemeClr val="accent1"/>
+          </a:fillRef>
+          <a:effectRef idx="0">
+            <a:schemeClr val="accent1"/>
+          </a:effectRef>
+          <a:fontRef idx="minor">
+            <a:schemeClr val="lt1"/>
+          </a:fontRef>
+        </p:style>
+        <p:txBody>
+          <a:bodyPr rtlCol="0" anchor="ctr"/>
+          <a:lstStyle/>
+          <a:p>
+            <a:pPr algn="ctr"/>
+            <a:r>
+              <a:rPr lang="en-US" dirty="0"/>
+              <a:t>MeetingDialog.function2</a:t>
+            </a:r>
+          </a:p>
+        </p:txBody>
+      </p:sp>
+      <p:sp>
+        <p:nvSpPr>
+          <p:cNvPr id="2" name="TextBox 1"/>
+          <p:cNvSpPr txBox="1"/>
+          <p:nvPr/>
+        </p:nvSpPr>
+        <p:spPr>
+          <a:xfrm>
+            <a:off x="2466109" y="1690255"/>
+            <a:ext cx="1350818" cy="369332"/>
+          </a:xfrm>
+          <a:prstGeom prst="rect">
+            <a:avLst/>
+          </a:prstGeom>
+          <a:noFill/>
+        </p:spPr>
+        <p:txBody>
+          <a:bodyPr wrap="square" rtlCol="0">
+            <a:spAutoFit/>
+          </a:bodyPr>
+          <a:lstStyle/>
+          <a:p>
+            <a:pPr algn="ctr"/>
+            <a:r>
+              <a:rPr lang="en-US" dirty="0"/>
+              <a:t>Push</a:t>
+            </a:r>
+          </a:p>
+        </p:txBody>
+      </p:sp>
+      <p:sp>
+        <p:nvSpPr>
+          <p:cNvPr id="15" name="TextBox 14"/>
+          <p:cNvSpPr txBox="1"/>
+          <p:nvPr/>
+        </p:nvSpPr>
+        <p:spPr>
+          <a:xfrm>
+            <a:off x="8177646" y="1690255"/>
+            <a:ext cx="1350818" cy="369332"/>
+          </a:xfrm>
+          <a:prstGeom prst="rect">
+            <a:avLst/>
+          </a:prstGeom>
+          <a:noFill/>
+        </p:spPr>
+        <p:txBody>
+          <a:bodyPr wrap="square" rtlCol="0">
+            <a:spAutoFit/>
+          </a:bodyPr>
+          <a:lstStyle/>
+          <a:p>
+            <a:pPr algn="ctr"/>
+            <a:r>
+              <a:rPr lang="en-US" dirty="0"/>
+              <a:t>Push</a:t>
+            </a:r>
+          </a:p>
+        </p:txBody>
+      </p:sp>
+      <p:sp>
+        <p:nvSpPr>
+          <p:cNvPr id="16" name="TextBox 15"/>
+          <p:cNvSpPr txBox="1"/>
+          <p:nvPr/>
+        </p:nvSpPr>
+        <p:spPr>
+          <a:xfrm>
+            <a:off x="5150428" y="1697365"/>
+            <a:ext cx="1350818" cy="369332"/>
+          </a:xfrm>
+          <a:prstGeom prst="rect">
+            <a:avLst/>
+          </a:prstGeom>
+          <a:noFill/>
+        </p:spPr>
+        <p:txBody>
+          <a:bodyPr wrap="square" rtlCol="0">
+            <a:spAutoFit/>
+          </a:bodyPr>
+          <a:lstStyle/>
+          <a:p>
+            <a:pPr algn="ctr"/>
+            <a:r>
+              <a:rPr lang="en-US" dirty="0"/>
+              <a:t>Pop</a:t>
+            </a:r>
+          </a:p>
+        </p:txBody>
+      </p:sp>
+    </p:spTree>
+    <p:extLst>
+      <p:ext uri="{BB962C8B-B14F-4D97-AF65-F5344CB8AC3E}">
+        <p14:creationId xmlns:p14="http://schemas.microsoft.com/office/powerpoint/2010/main" val="2839719617"/>
       </p:ext>
     </p:extLst>
   </p:cSld>
